--- a/docs/concepts.pptx
+++ b/docs/concepts.pptx
@@ -7,8 +7,8 @@
   <p:sldIdLst>
     <p:sldId id="265" r:id="rId2"/>
     <p:sldId id="256" r:id="rId3"/>
-    <p:sldId id="266" r:id="rId4"/>
-    <p:sldId id="267" r:id="rId5"/>
+    <p:sldId id="267" r:id="rId4"/>
+    <p:sldId id="266" r:id="rId5"/>
     <p:sldId id="268" r:id="rId6"/>
     <p:sldId id="257" r:id="rId7"/>
     <p:sldId id="258" r:id="rId8"/>
@@ -116,6 +116,11 @@
       </a:defRPr>
     </a:lvl9pPr>
   </p:defaultTextStyle>
+  <p:extLst>
+    <p:ext uri="{EFAFB233-063F-42B5-8137-9DF3F51BA10A}">
+      <p15:sldGuideLst xmlns:p15="http://schemas.microsoft.com/office/powerpoint/2012/main"/>
+    </p:ext>
+  </p:extLst>
 </p:presentation>
 </file>
 
@@ -3515,6 +3520,50 @@
       </p:grpSpPr>
       <p:sp>
         <p:nvSpPr>
+          <p:cNvPr id="5" name="Rektangel 4">
+            <a:extLst>
+              <a:ext uri="{FF2B5EF4-FFF2-40B4-BE49-F238E27FC236}">
+                <a16:creationId xmlns:a16="http://schemas.microsoft.com/office/drawing/2014/main" id="{55EF5523-1B70-4CC6-9843-B5458C0CECF2}"/>
+              </a:ext>
+            </a:extLst>
+          </p:cNvPr>
+          <p:cNvSpPr/>
+          <p:nvPr/>
+        </p:nvSpPr>
+        <p:spPr>
+          <a:xfrm>
+            <a:off x="4878160" y="161947"/>
+            <a:ext cx="6217104" cy="3331028"/>
+          </a:xfrm>
+          <a:prstGeom prst="rect">
+            <a:avLst/>
+          </a:prstGeom>
+        </p:spPr>
+        <p:style>
+          <a:lnRef idx="2">
+            <a:schemeClr val="accent1"/>
+          </a:lnRef>
+          <a:fillRef idx="1">
+            <a:schemeClr val="lt1"/>
+          </a:fillRef>
+          <a:effectRef idx="0">
+            <a:schemeClr val="accent1"/>
+          </a:effectRef>
+          <a:fontRef idx="minor">
+            <a:schemeClr val="dk1"/>
+          </a:fontRef>
+        </p:style>
+        <p:txBody>
+          <a:bodyPr rtlCol="0" anchor="ctr"/>
+          <a:lstStyle/>
+          <a:p>
+            <a:pPr algn="ctr"/>
+            <a:endParaRPr lang="nb-NO" dirty="0"/>
+          </a:p>
+        </p:txBody>
+      </p:sp>
+      <p:sp>
+        <p:nvSpPr>
           <p:cNvPr id="4" name="TekstSylinder 3">
             <a:extLst>
               <a:ext uri="{FF2B5EF4-FFF2-40B4-BE49-F238E27FC236}">
@@ -3549,6 +3598,654 @@
           </a:p>
         </p:txBody>
       </p:sp>
+      <p:sp>
+        <p:nvSpPr>
+          <p:cNvPr id="3" name="TekstSylinder 2">
+            <a:extLst>
+              <a:ext uri="{FF2B5EF4-FFF2-40B4-BE49-F238E27FC236}">
+                <a16:creationId xmlns:a16="http://schemas.microsoft.com/office/drawing/2014/main" id="{52B885A7-AC73-44CF-8C65-4B667FFF9B84}"/>
+              </a:ext>
+            </a:extLst>
+          </p:cNvPr>
+          <p:cNvSpPr txBox="1"/>
+          <p:nvPr/>
+        </p:nvSpPr>
+        <p:spPr>
+          <a:xfrm>
+            <a:off x="138794" y="1694601"/>
+            <a:ext cx="4624178" cy="2308324"/>
+          </a:xfrm>
+          <a:prstGeom prst="rect">
+            <a:avLst/>
+          </a:prstGeom>
+          <a:noFill/>
+        </p:spPr>
+        <p:txBody>
+          <a:bodyPr wrap="square" rtlCol="0">
+            <a:spAutoFit/>
+          </a:bodyPr>
+          <a:lstStyle/>
+          <a:p>
+            <a:pPr marL="285750" indent="-285750">
+              <a:buFont typeface="Arial" panose="020B0604020202020204" pitchFamily="34" charset="0"/>
+              <a:buChar char="•"/>
+            </a:pPr>
+            <a:r>
+              <a:rPr lang="nb-NO" dirty="0" err="1"/>
+              <a:t>Namespace</a:t>
+            </a:r>
+            <a:endParaRPr lang="nb-NO" dirty="0"/>
+          </a:p>
+          <a:p>
+            <a:pPr marL="742950" lvl="1" indent="-285750">
+              <a:buFont typeface="Arial" panose="020B0604020202020204" pitchFamily="34" charset="0"/>
+              <a:buChar char="•"/>
+            </a:pPr>
+            <a:r>
+              <a:rPr lang="nb-NO" dirty="0"/>
+              <a:t>navnekollisjoner</a:t>
+            </a:r>
+          </a:p>
+          <a:p>
+            <a:pPr marL="742950" lvl="1" indent="-285750">
+              <a:buFont typeface="Arial" panose="020B0604020202020204" pitchFamily="34" charset="0"/>
+              <a:buChar char="•"/>
+            </a:pPr>
+            <a:r>
+              <a:rPr lang="nb-NO" dirty="0"/>
+              <a:t>bibliotek av klasser</a:t>
+            </a:r>
+          </a:p>
+          <a:p>
+            <a:pPr marL="285750" indent="-285750">
+              <a:buFont typeface="Arial" panose="020B0604020202020204" pitchFamily="34" charset="0"/>
+              <a:buChar char="•"/>
+            </a:pPr>
+            <a:r>
+              <a:rPr lang="nb-NO" dirty="0" err="1"/>
+              <a:t>Classes</a:t>
+            </a:r>
+            <a:r>
+              <a:rPr lang="nb-NO" dirty="0"/>
+              <a:t>, </a:t>
+            </a:r>
+            <a:r>
+              <a:rPr lang="nb-NO" dirty="0" err="1"/>
+              <a:t>methods</a:t>
+            </a:r>
+            <a:r>
+              <a:rPr lang="nb-NO" dirty="0"/>
+              <a:t>, </a:t>
+            </a:r>
+            <a:r>
+              <a:rPr lang="nb-NO" dirty="0" err="1"/>
+              <a:t>traits</a:t>
+            </a:r>
+            <a:r>
+              <a:rPr lang="nb-NO" dirty="0"/>
+              <a:t>,</a:t>
+            </a:r>
+          </a:p>
+          <a:p>
+            <a:pPr marL="285750" indent="-285750">
+              <a:buFont typeface="Arial" panose="020B0604020202020204" pitchFamily="34" charset="0"/>
+              <a:buChar char="•"/>
+            </a:pPr>
+            <a:r>
+              <a:rPr lang="nb-NO" dirty="0" err="1"/>
+              <a:t>Visibility</a:t>
+            </a:r>
+            <a:r>
+              <a:rPr lang="nb-NO" dirty="0"/>
+              <a:t> (</a:t>
+            </a:r>
+            <a:r>
+              <a:rPr lang="nb-NO" dirty="0" err="1"/>
+              <a:t>method,variable,property</a:t>
+            </a:r>
+            <a:r>
+              <a:rPr lang="nb-NO" dirty="0"/>
+              <a:t>)</a:t>
+            </a:r>
+          </a:p>
+          <a:p>
+            <a:pPr marL="742950" lvl="1" indent="-285750">
+              <a:buFont typeface="Arial" panose="020B0604020202020204" pitchFamily="34" charset="0"/>
+              <a:buChar char="•"/>
+            </a:pPr>
+            <a:r>
+              <a:rPr lang="nb-NO" dirty="0" err="1"/>
+              <a:t>public</a:t>
+            </a:r>
+            <a:endParaRPr lang="nb-NO" dirty="0"/>
+          </a:p>
+          <a:p>
+            <a:pPr marL="742950" lvl="1" indent="-285750">
+              <a:buFont typeface="Arial" panose="020B0604020202020204" pitchFamily="34" charset="0"/>
+              <a:buChar char="•"/>
+            </a:pPr>
+            <a:r>
+              <a:rPr lang="nb-NO" dirty="0" err="1"/>
+              <a:t>protected</a:t>
+            </a:r>
+            <a:endParaRPr lang="nb-NO" dirty="0"/>
+          </a:p>
+          <a:p>
+            <a:pPr marL="742950" lvl="1" indent="-285750">
+              <a:buFont typeface="Arial" panose="020B0604020202020204" pitchFamily="34" charset="0"/>
+              <a:buChar char="•"/>
+            </a:pPr>
+            <a:r>
+              <a:rPr lang="nb-NO" dirty="0"/>
+              <a:t>Private</a:t>
+            </a:r>
+          </a:p>
+        </p:txBody>
+      </p:sp>
+      <p:sp>
+        <p:nvSpPr>
+          <p:cNvPr id="2" name="Ellipse 1">
+            <a:extLst>
+              <a:ext uri="{FF2B5EF4-FFF2-40B4-BE49-F238E27FC236}">
+                <a16:creationId xmlns:a16="http://schemas.microsoft.com/office/drawing/2014/main" id="{FAC6AB5C-8F3B-4B03-A868-738D42ABB627}"/>
+              </a:ext>
+            </a:extLst>
+          </p:cNvPr>
+          <p:cNvSpPr/>
+          <p:nvPr/>
+        </p:nvSpPr>
+        <p:spPr>
+          <a:xfrm>
+            <a:off x="6033407" y="740574"/>
+            <a:ext cx="1098097" cy="1002501"/>
+          </a:xfrm>
+          <a:prstGeom prst="ellipse">
+            <a:avLst/>
+          </a:prstGeom>
+        </p:spPr>
+        <p:style>
+          <a:lnRef idx="0">
+            <a:schemeClr val="accent2"/>
+          </a:lnRef>
+          <a:fillRef idx="3">
+            <a:schemeClr val="accent2"/>
+          </a:fillRef>
+          <a:effectRef idx="3">
+            <a:schemeClr val="accent2"/>
+          </a:effectRef>
+          <a:fontRef idx="minor">
+            <a:schemeClr val="lt1"/>
+          </a:fontRef>
+        </p:style>
+        <p:txBody>
+          <a:bodyPr rtlCol="0" anchor="ctr"/>
+          <a:lstStyle/>
+          <a:p>
+            <a:pPr algn="ctr"/>
+            <a:r>
+              <a:rPr lang="nb-NO" sz="1100" dirty="0" err="1"/>
+              <a:t>Xblock</a:t>
+            </a:r>
+            <a:endParaRPr lang="nb-NO" sz="1100" dirty="0"/>
+          </a:p>
+          <a:p>
+            <a:pPr algn="ctr"/>
+            <a:r>
+              <a:rPr lang="nb-NO" sz="1100" dirty="0" err="1"/>
+              <a:t>protected</a:t>
+            </a:r>
+            <a:endParaRPr lang="nb-NO" sz="1100" dirty="0"/>
+          </a:p>
+        </p:txBody>
+      </p:sp>
+      <p:sp>
+        <p:nvSpPr>
+          <p:cNvPr id="7" name="TekstSylinder 6">
+            <a:extLst>
+              <a:ext uri="{FF2B5EF4-FFF2-40B4-BE49-F238E27FC236}">
+                <a16:creationId xmlns:a16="http://schemas.microsoft.com/office/drawing/2014/main" id="{1EDD53B0-C445-43F5-A3F4-C9E90FDD7FE5}"/>
+              </a:ext>
+            </a:extLst>
+          </p:cNvPr>
+          <p:cNvSpPr txBox="1"/>
+          <p:nvPr/>
+        </p:nvSpPr>
+        <p:spPr>
+          <a:xfrm>
+            <a:off x="5081247" y="231712"/>
+            <a:ext cx="2601346" cy="369332"/>
+          </a:xfrm>
+          <a:prstGeom prst="rect">
+            <a:avLst/>
+          </a:prstGeom>
+          <a:noFill/>
+        </p:spPr>
+        <p:txBody>
+          <a:bodyPr wrap="square">
+            <a:spAutoFit/>
+          </a:bodyPr>
+          <a:lstStyle/>
+          <a:p>
+            <a:r>
+              <a:rPr lang="nb-NO" dirty="0" err="1"/>
+              <a:t>Namespace</a:t>
+            </a:r>
+            <a:r>
+              <a:rPr lang="nb-NO" dirty="0"/>
+              <a:t>: him/</a:t>
+            </a:r>
+            <a:r>
+              <a:rPr lang="nb-NO" dirty="0" err="1"/>
+              <a:t>mvc</a:t>
+            </a:r>
+            <a:r>
+              <a:rPr lang="nb-NO" dirty="0"/>
+              <a:t>/</a:t>
+            </a:r>
+          </a:p>
+        </p:txBody>
+      </p:sp>
+      <p:sp>
+        <p:nvSpPr>
+          <p:cNvPr id="8" name="Ellipse 7">
+            <a:extLst>
+              <a:ext uri="{FF2B5EF4-FFF2-40B4-BE49-F238E27FC236}">
+                <a16:creationId xmlns:a16="http://schemas.microsoft.com/office/drawing/2014/main" id="{290FA146-BAA3-4C2E-8B9F-B29304B1EE9E}"/>
+              </a:ext>
+            </a:extLst>
+          </p:cNvPr>
+          <p:cNvSpPr/>
+          <p:nvPr/>
+        </p:nvSpPr>
+        <p:spPr>
+          <a:xfrm>
+            <a:off x="8401940" y="740573"/>
+            <a:ext cx="1098097" cy="1002501"/>
+          </a:xfrm>
+          <a:prstGeom prst="ellipse">
+            <a:avLst/>
+          </a:prstGeom>
+        </p:spPr>
+        <p:style>
+          <a:lnRef idx="2">
+            <a:schemeClr val="accent1">
+              <a:shade val="50000"/>
+            </a:schemeClr>
+          </a:lnRef>
+          <a:fillRef idx="1">
+            <a:schemeClr val="accent1"/>
+          </a:fillRef>
+          <a:effectRef idx="0">
+            <a:schemeClr val="accent1"/>
+          </a:effectRef>
+          <a:fontRef idx="minor">
+            <a:schemeClr val="lt1"/>
+          </a:fontRef>
+        </p:style>
+        <p:txBody>
+          <a:bodyPr rtlCol="0" anchor="ctr"/>
+          <a:lstStyle/>
+          <a:p>
+            <a:pPr algn="ctr"/>
+            <a:r>
+              <a:rPr lang="nb-NO" sz="1600" dirty="0"/>
+              <a:t>Library</a:t>
+            </a:r>
+          </a:p>
+          <a:p>
+            <a:pPr algn="ctr"/>
+            <a:r>
+              <a:rPr lang="nb-NO" sz="1600" dirty="0" err="1"/>
+              <a:t>public</a:t>
+            </a:r>
+            <a:endParaRPr lang="nb-NO" sz="1600" dirty="0"/>
+          </a:p>
+        </p:txBody>
+      </p:sp>
+      <p:sp>
+        <p:nvSpPr>
+          <p:cNvPr id="9" name="Rektangel 8">
+            <a:extLst>
+              <a:ext uri="{FF2B5EF4-FFF2-40B4-BE49-F238E27FC236}">
+                <a16:creationId xmlns:a16="http://schemas.microsoft.com/office/drawing/2014/main" id="{889E1DC2-AF71-4AD2-A85E-55578243E85E}"/>
+              </a:ext>
+            </a:extLst>
+          </p:cNvPr>
+          <p:cNvSpPr/>
+          <p:nvPr/>
+        </p:nvSpPr>
+        <p:spPr>
+          <a:xfrm>
+            <a:off x="4878160" y="3562740"/>
+            <a:ext cx="6217104" cy="3246274"/>
+          </a:xfrm>
+          <a:prstGeom prst="rect">
+            <a:avLst/>
+          </a:prstGeom>
+        </p:spPr>
+        <p:style>
+          <a:lnRef idx="2">
+            <a:schemeClr val="accent1"/>
+          </a:lnRef>
+          <a:fillRef idx="1">
+            <a:schemeClr val="lt1"/>
+          </a:fillRef>
+          <a:effectRef idx="0">
+            <a:schemeClr val="accent1"/>
+          </a:effectRef>
+          <a:fontRef idx="minor">
+            <a:schemeClr val="dk1"/>
+          </a:fontRef>
+        </p:style>
+        <p:txBody>
+          <a:bodyPr rtlCol="0" anchor="ctr"/>
+          <a:lstStyle/>
+          <a:p>
+            <a:pPr algn="ctr"/>
+            <a:endParaRPr lang="nb-NO" dirty="0"/>
+          </a:p>
+        </p:txBody>
+      </p:sp>
+      <p:sp>
+        <p:nvSpPr>
+          <p:cNvPr id="10" name="Ellipse 9">
+            <a:extLst>
+              <a:ext uri="{FF2B5EF4-FFF2-40B4-BE49-F238E27FC236}">
+                <a16:creationId xmlns:a16="http://schemas.microsoft.com/office/drawing/2014/main" id="{9C8B9614-6C96-4A4D-BC93-1FD65A5A9D66}"/>
+              </a:ext>
+            </a:extLst>
+          </p:cNvPr>
+          <p:cNvSpPr/>
+          <p:nvPr/>
+        </p:nvSpPr>
+        <p:spPr>
+          <a:xfrm>
+            <a:off x="6033407" y="4124184"/>
+            <a:ext cx="1098097" cy="1002501"/>
+          </a:xfrm>
+          <a:prstGeom prst="ellipse">
+            <a:avLst/>
+          </a:prstGeom>
+        </p:spPr>
+        <p:style>
+          <a:lnRef idx="2">
+            <a:schemeClr val="accent1">
+              <a:shade val="50000"/>
+            </a:schemeClr>
+          </a:lnRef>
+          <a:fillRef idx="1">
+            <a:schemeClr val="accent1"/>
+          </a:fillRef>
+          <a:effectRef idx="0">
+            <a:schemeClr val="accent1"/>
+          </a:effectRef>
+          <a:fontRef idx="minor">
+            <a:schemeClr val="lt1"/>
+          </a:fontRef>
+        </p:style>
+        <p:txBody>
+          <a:bodyPr rtlCol="0" anchor="ctr"/>
+          <a:lstStyle/>
+          <a:p>
+            <a:pPr algn="ctr"/>
+            <a:r>
+              <a:rPr lang="nb-NO" sz="1600" dirty="0" err="1"/>
+              <a:t>XBlock</a:t>
+            </a:r>
+            <a:endParaRPr lang="nb-NO" sz="1600" dirty="0"/>
+          </a:p>
+        </p:txBody>
+      </p:sp>
+      <p:sp>
+        <p:nvSpPr>
+          <p:cNvPr id="11" name="TekstSylinder 10">
+            <a:extLst>
+              <a:ext uri="{FF2B5EF4-FFF2-40B4-BE49-F238E27FC236}">
+                <a16:creationId xmlns:a16="http://schemas.microsoft.com/office/drawing/2014/main" id="{5D59F442-7B5E-4D97-A8D4-4520A63C74F9}"/>
+              </a:ext>
+            </a:extLst>
+          </p:cNvPr>
+          <p:cNvSpPr txBox="1"/>
+          <p:nvPr/>
+        </p:nvSpPr>
+        <p:spPr>
+          <a:xfrm>
+            <a:off x="5081247" y="3615322"/>
+            <a:ext cx="2601346" cy="369332"/>
+          </a:xfrm>
+          <a:prstGeom prst="rect">
+            <a:avLst/>
+          </a:prstGeom>
+          <a:noFill/>
+        </p:spPr>
+        <p:txBody>
+          <a:bodyPr wrap="square">
+            <a:spAutoFit/>
+          </a:bodyPr>
+          <a:lstStyle/>
+          <a:p>
+            <a:r>
+              <a:rPr lang="nb-NO" dirty="0" err="1"/>
+              <a:t>Namespace</a:t>
+            </a:r>
+            <a:r>
+              <a:rPr lang="nb-NO" dirty="0"/>
+              <a:t>: ntnu/</a:t>
+            </a:r>
+            <a:r>
+              <a:rPr lang="nb-NO" dirty="0" err="1"/>
+              <a:t>mvc</a:t>
+            </a:r>
+            <a:r>
+              <a:rPr lang="nb-NO" dirty="0"/>
+              <a:t>/</a:t>
+            </a:r>
+          </a:p>
+        </p:txBody>
+      </p:sp>
+      <p:sp>
+        <p:nvSpPr>
+          <p:cNvPr id="12" name="Ellipse 11">
+            <a:extLst>
+              <a:ext uri="{FF2B5EF4-FFF2-40B4-BE49-F238E27FC236}">
+                <a16:creationId xmlns:a16="http://schemas.microsoft.com/office/drawing/2014/main" id="{11A14C55-D763-46CF-A060-2BD926062A46}"/>
+              </a:ext>
+            </a:extLst>
+          </p:cNvPr>
+          <p:cNvSpPr/>
+          <p:nvPr/>
+        </p:nvSpPr>
+        <p:spPr>
+          <a:xfrm>
+            <a:off x="8401940" y="4124183"/>
+            <a:ext cx="1098097" cy="1002501"/>
+          </a:xfrm>
+          <a:prstGeom prst="ellipse">
+            <a:avLst/>
+          </a:prstGeom>
+        </p:spPr>
+        <p:style>
+          <a:lnRef idx="2">
+            <a:schemeClr val="accent1">
+              <a:shade val="50000"/>
+            </a:schemeClr>
+          </a:lnRef>
+          <a:fillRef idx="1">
+            <a:schemeClr val="accent1"/>
+          </a:fillRef>
+          <a:effectRef idx="0">
+            <a:schemeClr val="accent1"/>
+          </a:effectRef>
+          <a:fontRef idx="minor">
+            <a:schemeClr val="lt1"/>
+          </a:fontRef>
+        </p:style>
+        <p:txBody>
+          <a:bodyPr rtlCol="0" anchor="ctr"/>
+          <a:lstStyle/>
+          <a:p>
+            <a:pPr algn="ctr"/>
+            <a:r>
+              <a:rPr lang="nb-NO" sz="1600" dirty="0"/>
+              <a:t>Library</a:t>
+            </a:r>
+          </a:p>
+        </p:txBody>
+      </p:sp>
+      <p:sp>
+        <p:nvSpPr>
+          <p:cNvPr id="13" name="Ellipse 12">
+            <a:extLst>
+              <a:ext uri="{FF2B5EF4-FFF2-40B4-BE49-F238E27FC236}">
+                <a16:creationId xmlns:a16="http://schemas.microsoft.com/office/drawing/2014/main" id="{B116B4A5-D72D-4A47-AB6C-23EBE54EDE54}"/>
+              </a:ext>
+            </a:extLst>
+          </p:cNvPr>
+          <p:cNvSpPr/>
+          <p:nvPr/>
+        </p:nvSpPr>
+        <p:spPr>
+          <a:xfrm>
+            <a:off x="8753474" y="2235583"/>
+            <a:ext cx="1098097" cy="1002501"/>
+          </a:xfrm>
+          <a:prstGeom prst="ellipse">
+            <a:avLst/>
+          </a:prstGeom>
+        </p:spPr>
+        <p:style>
+          <a:lnRef idx="2">
+            <a:schemeClr val="accent6">
+              <a:shade val="50000"/>
+            </a:schemeClr>
+          </a:lnRef>
+          <a:fillRef idx="1">
+            <a:schemeClr val="accent6"/>
+          </a:fillRef>
+          <a:effectRef idx="0">
+            <a:schemeClr val="accent6"/>
+          </a:effectRef>
+          <a:fontRef idx="minor">
+            <a:schemeClr val="lt1"/>
+          </a:fontRef>
+        </p:style>
+        <p:txBody>
+          <a:bodyPr rtlCol="0" anchor="ctr"/>
+          <a:lstStyle/>
+          <a:p>
+            <a:pPr algn="ctr"/>
+            <a:r>
+              <a:rPr lang="nb-NO" sz="1400" dirty="0" err="1"/>
+              <a:t>InternalXBlock</a:t>
+            </a:r>
+            <a:endParaRPr lang="nb-NO" sz="1400" dirty="0"/>
+          </a:p>
+          <a:p>
+            <a:pPr algn="ctr"/>
+            <a:r>
+              <a:rPr lang="nb-NO" sz="1400" dirty="0"/>
+              <a:t>private</a:t>
+            </a:r>
+          </a:p>
+        </p:txBody>
+      </p:sp>
+      <p:sp>
+        <p:nvSpPr>
+          <p:cNvPr id="14" name="Ellipse 13">
+            <a:extLst>
+              <a:ext uri="{FF2B5EF4-FFF2-40B4-BE49-F238E27FC236}">
+                <a16:creationId xmlns:a16="http://schemas.microsoft.com/office/drawing/2014/main" id="{02AEB000-8252-440E-877B-EC8CCD63E2C2}"/>
+              </a:ext>
+            </a:extLst>
+          </p:cNvPr>
+          <p:cNvSpPr/>
+          <p:nvPr/>
+        </p:nvSpPr>
+        <p:spPr>
+          <a:xfrm>
+            <a:off x="6033407" y="2152753"/>
+            <a:ext cx="1098097" cy="1002501"/>
+          </a:xfrm>
+          <a:prstGeom prst="ellipse">
+            <a:avLst/>
+          </a:prstGeom>
+        </p:spPr>
+        <p:style>
+          <a:lnRef idx="0">
+            <a:schemeClr val="accent2"/>
+          </a:lnRef>
+          <a:fillRef idx="3">
+            <a:schemeClr val="accent2"/>
+          </a:fillRef>
+          <a:effectRef idx="3">
+            <a:schemeClr val="accent2"/>
+          </a:effectRef>
+          <a:fontRef idx="minor">
+            <a:schemeClr val="lt1"/>
+          </a:fontRef>
+        </p:style>
+        <p:txBody>
+          <a:bodyPr rtlCol="0" anchor="ctr"/>
+          <a:lstStyle/>
+          <a:p>
+            <a:pPr algn="ctr"/>
+            <a:r>
+              <a:rPr lang="nb-NO" sz="1100" dirty="0" err="1"/>
+              <a:t>GradeXblock</a:t>
+            </a:r>
+            <a:endParaRPr lang="nb-NO" sz="1100" dirty="0"/>
+          </a:p>
+          <a:p>
+            <a:pPr algn="ctr"/>
+            <a:r>
+              <a:rPr lang="nb-NO" sz="1100" dirty="0" err="1"/>
+              <a:t>protected</a:t>
+            </a:r>
+            <a:endParaRPr lang="nb-NO" sz="1100" dirty="0"/>
+          </a:p>
+        </p:txBody>
+      </p:sp>
+      <p:cxnSp>
+        <p:nvCxnSpPr>
+          <p:cNvPr id="16" name="Rett pilkobling 15">
+            <a:extLst>
+              <a:ext uri="{FF2B5EF4-FFF2-40B4-BE49-F238E27FC236}">
+                <a16:creationId xmlns:a16="http://schemas.microsoft.com/office/drawing/2014/main" id="{30CE14F3-B3A8-420B-985C-0B7EA2F910B5}"/>
+              </a:ext>
+            </a:extLst>
+          </p:cNvPr>
+          <p:cNvCxnSpPr>
+            <a:endCxn id="14" idx="0"/>
+          </p:cNvCxnSpPr>
+          <p:nvPr/>
+        </p:nvCxnSpPr>
+        <p:spPr>
+          <a:xfrm>
+            <a:off x="6582455" y="1743074"/>
+            <a:ext cx="1" cy="409679"/>
+          </a:xfrm>
+          <a:prstGeom prst="straightConnector1">
+            <a:avLst/>
+          </a:prstGeom>
+          <a:ln>
+            <a:tailEnd type="triangle"/>
+          </a:ln>
+        </p:spPr>
+        <p:style>
+          <a:lnRef idx="1">
+            <a:schemeClr val="accent1"/>
+          </a:lnRef>
+          <a:fillRef idx="0">
+            <a:schemeClr val="accent1"/>
+          </a:fillRef>
+          <a:effectRef idx="0">
+            <a:schemeClr val="accent1"/>
+          </a:effectRef>
+          <a:fontRef idx="minor">
+            <a:schemeClr val="tx1"/>
+          </a:fontRef>
+        </p:style>
+      </p:cxnSp>
     </p:spTree>
     <p:extLst>
       <p:ext uri="{BB962C8B-B14F-4D97-AF65-F5344CB8AC3E}">
@@ -3609,16 +4306,572 @@
           <a:p>
             <a:r>
               <a:rPr lang="nb-NO" sz="3200" dirty="0" err="1"/>
-              <a:t>Abstraction</a:t>
+              <a:t>Inheritance</a:t>
             </a:r>
             <a:endParaRPr lang="nb-NO" sz="3200" dirty="0"/>
           </a:p>
         </p:txBody>
       </p:sp>
+      <p:sp>
+        <p:nvSpPr>
+          <p:cNvPr id="3" name="TekstSylinder 2">
+            <a:extLst>
+              <a:ext uri="{FF2B5EF4-FFF2-40B4-BE49-F238E27FC236}">
+                <a16:creationId xmlns:a16="http://schemas.microsoft.com/office/drawing/2014/main" id="{E8F8A5C5-CC8C-4718-8355-DA68BE2AD704}"/>
+              </a:ext>
+            </a:extLst>
+          </p:cNvPr>
+          <p:cNvSpPr txBox="1"/>
+          <p:nvPr/>
+        </p:nvSpPr>
+        <p:spPr>
+          <a:xfrm>
+            <a:off x="232757" y="1814916"/>
+            <a:ext cx="3715788" cy="1754326"/>
+          </a:xfrm>
+          <a:prstGeom prst="rect">
+            <a:avLst/>
+          </a:prstGeom>
+          <a:noFill/>
+        </p:spPr>
+        <p:txBody>
+          <a:bodyPr wrap="square" rtlCol="0">
+            <a:spAutoFit/>
+          </a:bodyPr>
+          <a:lstStyle/>
+          <a:p>
+            <a:pPr marL="285750" indent="-285750">
+              <a:buFont typeface="Arial" panose="020B0604020202020204" pitchFamily="34" charset="0"/>
+              <a:buChar char="•"/>
+            </a:pPr>
+            <a:r>
+              <a:rPr lang="nb-NO" dirty="0"/>
+              <a:t>arv </a:t>
+            </a:r>
+          </a:p>
+          <a:p>
+            <a:pPr marL="285750" indent="-285750">
+              <a:buFont typeface="Arial" panose="020B0604020202020204" pitchFamily="34" charset="0"/>
+              <a:buChar char="•"/>
+            </a:pPr>
+            <a:endParaRPr lang="nb-NO" dirty="0"/>
+          </a:p>
+          <a:p>
+            <a:pPr marL="285750" indent="-285750">
+              <a:buFont typeface="Arial" panose="020B0604020202020204" pitchFamily="34" charset="0"/>
+              <a:buChar char="•"/>
+            </a:pPr>
+            <a:r>
+              <a:rPr lang="nb-NO" dirty="0"/>
+              <a:t>Kun en foreldre</a:t>
+            </a:r>
+          </a:p>
+          <a:p>
+            <a:pPr marL="285750" indent="-285750">
+              <a:buFont typeface="Arial" panose="020B0604020202020204" pitchFamily="34" charset="0"/>
+              <a:buChar char="•"/>
+            </a:pPr>
+            <a:endParaRPr lang="nb-NO" dirty="0"/>
+          </a:p>
+          <a:p>
+            <a:pPr marL="285750" indent="-285750">
+              <a:buFont typeface="Arial" panose="020B0604020202020204" pitchFamily="34" charset="0"/>
+              <a:buChar char="•"/>
+            </a:pPr>
+            <a:r>
+              <a:rPr lang="nb-NO" dirty="0" err="1"/>
+              <a:t>protected</a:t>
+            </a:r>
+            <a:r>
+              <a:rPr lang="nb-NO" dirty="0"/>
+              <a:t> variabler eller metoder er synlig for barnet</a:t>
+            </a:r>
+          </a:p>
+        </p:txBody>
+      </p:sp>
+      <p:sp>
+        <p:nvSpPr>
+          <p:cNvPr id="5" name="Rektangel 4">
+            <a:extLst>
+              <a:ext uri="{FF2B5EF4-FFF2-40B4-BE49-F238E27FC236}">
+                <a16:creationId xmlns:a16="http://schemas.microsoft.com/office/drawing/2014/main" id="{BDC93546-3D0F-423A-BAFE-80C756E179C4}"/>
+              </a:ext>
+            </a:extLst>
+          </p:cNvPr>
+          <p:cNvSpPr/>
+          <p:nvPr/>
+        </p:nvSpPr>
+        <p:spPr>
+          <a:xfrm>
+            <a:off x="7423264" y="489008"/>
+            <a:ext cx="2186244" cy="965719"/>
+          </a:xfrm>
+          <a:prstGeom prst="rect">
+            <a:avLst/>
+          </a:prstGeom>
+        </p:spPr>
+        <p:style>
+          <a:lnRef idx="2">
+            <a:schemeClr val="accent1">
+              <a:shade val="50000"/>
+            </a:schemeClr>
+          </a:lnRef>
+          <a:fillRef idx="1">
+            <a:schemeClr val="accent1"/>
+          </a:fillRef>
+          <a:effectRef idx="0">
+            <a:schemeClr val="accent1"/>
+          </a:effectRef>
+          <a:fontRef idx="minor">
+            <a:schemeClr val="lt1"/>
+          </a:fontRef>
+        </p:style>
+        <p:txBody>
+          <a:bodyPr rtlCol="0" anchor="ctr"/>
+          <a:lstStyle/>
+          <a:p>
+            <a:pPr algn="ctr"/>
+            <a:r>
+              <a:rPr lang="nb-NO" dirty="0" err="1"/>
+              <a:t>AbstractXBlock</a:t>
+            </a:r>
+            <a:endParaRPr lang="nb-NO" dirty="0"/>
+          </a:p>
+          <a:p>
+            <a:pPr algn="ctr"/>
+            <a:r>
+              <a:rPr lang="nb-NO" dirty="0">
+                <a:solidFill>
+                  <a:srgbClr val="FF0000"/>
+                </a:solidFill>
+              </a:rPr>
+              <a:t>render()</a:t>
+            </a:r>
+          </a:p>
+        </p:txBody>
+      </p:sp>
+      <p:sp>
+        <p:nvSpPr>
+          <p:cNvPr id="6" name="Rektangel 5">
+            <a:extLst>
+              <a:ext uri="{FF2B5EF4-FFF2-40B4-BE49-F238E27FC236}">
+                <a16:creationId xmlns:a16="http://schemas.microsoft.com/office/drawing/2014/main" id="{FD26FD8A-0C40-4CCB-8EDA-A3C7D2BEC710}"/>
+              </a:ext>
+            </a:extLst>
+          </p:cNvPr>
+          <p:cNvSpPr/>
+          <p:nvPr/>
+        </p:nvSpPr>
+        <p:spPr>
+          <a:xfrm>
+            <a:off x="8670165" y="2415081"/>
+            <a:ext cx="3042459" cy="820277"/>
+          </a:xfrm>
+          <a:prstGeom prst="rect">
+            <a:avLst/>
+          </a:prstGeom>
+        </p:spPr>
+        <p:style>
+          <a:lnRef idx="2">
+            <a:schemeClr val="accent1">
+              <a:shade val="50000"/>
+            </a:schemeClr>
+          </a:lnRef>
+          <a:fillRef idx="1">
+            <a:schemeClr val="accent1"/>
+          </a:fillRef>
+          <a:effectRef idx="0">
+            <a:schemeClr val="accent1"/>
+          </a:effectRef>
+          <a:fontRef idx="minor">
+            <a:schemeClr val="lt1"/>
+          </a:fontRef>
+        </p:style>
+        <p:txBody>
+          <a:bodyPr rtlCol="0" anchor="ctr"/>
+          <a:lstStyle/>
+          <a:p>
+            <a:pPr algn="ctr"/>
+            <a:r>
+              <a:rPr lang="nb-NO" dirty="0" err="1"/>
+              <a:t>ProblemXBlock</a:t>
+            </a:r>
+            <a:endParaRPr lang="nb-NO" dirty="0"/>
+          </a:p>
+          <a:p>
+            <a:pPr algn="ctr"/>
+            <a:r>
+              <a:rPr lang="nb-NO" dirty="0"/>
+              <a:t>$problem</a:t>
+            </a:r>
+          </a:p>
+        </p:txBody>
+      </p:sp>
+      <p:cxnSp>
+        <p:nvCxnSpPr>
+          <p:cNvPr id="7" name="Rett pilkobling 6">
+            <a:extLst>
+              <a:ext uri="{FF2B5EF4-FFF2-40B4-BE49-F238E27FC236}">
+                <a16:creationId xmlns:a16="http://schemas.microsoft.com/office/drawing/2014/main" id="{22CECA54-A12C-4EA1-9DAA-A028ABF9CD65}"/>
+              </a:ext>
+            </a:extLst>
+          </p:cNvPr>
+          <p:cNvCxnSpPr>
+            <a:cxnSpLocks/>
+            <a:endCxn id="6" idx="0"/>
+          </p:cNvCxnSpPr>
+          <p:nvPr/>
+        </p:nvCxnSpPr>
+        <p:spPr>
+          <a:xfrm>
+            <a:off x="8516386" y="608281"/>
+            <a:ext cx="1675009" cy="1806800"/>
+          </a:xfrm>
+          <a:prstGeom prst="straightConnector1">
+            <a:avLst/>
+          </a:prstGeom>
+          <a:ln>
+            <a:tailEnd type="triangle"/>
+          </a:ln>
+        </p:spPr>
+        <p:style>
+          <a:lnRef idx="1">
+            <a:schemeClr val="accent1"/>
+          </a:lnRef>
+          <a:fillRef idx="0">
+            <a:schemeClr val="accent1"/>
+          </a:fillRef>
+          <a:effectRef idx="0">
+            <a:schemeClr val="accent1"/>
+          </a:effectRef>
+          <a:fontRef idx="minor">
+            <a:schemeClr val="tx1"/>
+          </a:fontRef>
+        </p:style>
+      </p:cxnSp>
+      <p:sp>
+        <p:nvSpPr>
+          <p:cNvPr id="8" name="Rektangel 7">
+            <a:extLst>
+              <a:ext uri="{FF2B5EF4-FFF2-40B4-BE49-F238E27FC236}">
+                <a16:creationId xmlns:a16="http://schemas.microsoft.com/office/drawing/2014/main" id="{4F24C07D-9C8C-4B6E-A9E6-DA96C7251EA6}"/>
+              </a:ext>
+            </a:extLst>
+          </p:cNvPr>
+          <p:cNvSpPr/>
+          <p:nvPr/>
+        </p:nvSpPr>
+        <p:spPr>
+          <a:xfrm>
+            <a:off x="4524425" y="2388912"/>
+            <a:ext cx="3042459" cy="820277"/>
+          </a:xfrm>
+          <a:prstGeom prst="rect">
+            <a:avLst/>
+          </a:prstGeom>
+        </p:spPr>
+        <p:style>
+          <a:lnRef idx="3">
+            <a:schemeClr val="lt1"/>
+          </a:lnRef>
+          <a:fillRef idx="1">
+            <a:schemeClr val="accent6"/>
+          </a:fillRef>
+          <a:effectRef idx="1">
+            <a:schemeClr val="accent6"/>
+          </a:effectRef>
+          <a:fontRef idx="minor">
+            <a:schemeClr val="lt1"/>
+          </a:fontRef>
+        </p:style>
+        <p:txBody>
+          <a:bodyPr rtlCol="0" anchor="ctr"/>
+          <a:lstStyle/>
+          <a:p>
+            <a:pPr algn="ctr"/>
+            <a:r>
+              <a:rPr lang="nb-NO" dirty="0" err="1"/>
+              <a:t>TextXBlock</a:t>
+            </a:r>
+            <a:endParaRPr lang="nb-NO" dirty="0"/>
+          </a:p>
+          <a:p>
+            <a:pPr algn="ctr"/>
+            <a:r>
+              <a:rPr lang="nb-NO" dirty="0">
+                <a:solidFill>
+                  <a:schemeClr val="tx1"/>
+                </a:solidFill>
+              </a:rPr>
+              <a:t>render()</a:t>
+            </a:r>
+          </a:p>
+        </p:txBody>
+      </p:sp>
+      <p:cxnSp>
+        <p:nvCxnSpPr>
+          <p:cNvPr id="9" name="Rett pilkobling 8">
+            <a:extLst>
+              <a:ext uri="{FF2B5EF4-FFF2-40B4-BE49-F238E27FC236}">
+                <a16:creationId xmlns:a16="http://schemas.microsoft.com/office/drawing/2014/main" id="{BDDB7F02-5AA8-4350-B3F6-D7A66C9A7265}"/>
+              </a:ext>
+            </a:extLst>
+          </p:cNvPr>
+          <p:cNvCxnSpPr>
+            <a:cxnSpLocks/>
+            <a:stCxn id="5" idx="2"/>
+            <a:endCxn id="8" idx="0"/>
+          </p:cNvCxnSpPr>
+          <p:nvPr/>
+        </p:nvCxnSpPr>
+        <p:spPr>
+          <a:xfrm flipH="1">
+            <a:off x="6045655" y="1454727"/>
+            <a:ext cx="2470731" cy="934185"/>
+          </a:xfrm>
+          <a:prstGeom prst="straightConnector1">
+            <a:avLst/>
+          </a:prstGeom>
+          <a:ln>
+            <a:tailEnd type="triangle"/>
+          </a:ln>
+        </p:spPr>
+        <p:style>
+          <a:lnRef idx="1">
+            <a:schemeClr val="accent1"/>
+          </a:lnRef>
+          <a:fillRef idx="0">
+            <a:schemeClr val="accent1"/>
+          </a:fillRef>
+          <a:effectRef idx="0">
+            <a:schemeClr val="accent1"/>
+          </a:effectRef>
+          <a:fontRef idx="minor">
+            <a:schemeClr val="tx1"/>
+          </a:fontRef>
+        </p:style>
+      </p:cxnSp>
+      <p:sp>
+        <p:nvSpPr>
+          <p:cNvPr id="10" name="Rektangel 9">
+            <a:extLst>
+              <a:ext uri="{FF2B5EF4-FFF2-40B4-BE49-F238E27FC236}">
+                <a16:creationId xmlns:a16="http://schemas.microsoft.com/office/drawing/2014/main" id="{A9D8EFA0-A2D7-41D8-B9E1-6085B2AF95FF}"/>
+              </a:ext>
+            </a:extLst>
+          </p:cNvPr>
+          <p:cNvSpPr/>
+          <p:nvPr/>
+        </p:nvSpPr>
+        <p:spPr>
+          <a:xfrm>
+            <a:off x="8682626" y="5270802"/>
+            <a:ext cx="3042459" cy="820277"/>
+          </a:xfrm>
+          <a:prstGeom prst="rect">
+            <a:avLst/>
+          </a:prstGeom>
+        </p:spPr>
+        <p:style>
+          <a:lnRef idx="3">
+            <a:schemeClr val="lt1"/>
+          </a:lnRef>
+          <a:fillRef idx="1">
+            <a:schemeClr val="accent6"/>
+          </a:fillRef>
+          <a:effectRef idx="1">
+            <a:schemeClr val="accent6"/>
+          </a:effectRef>
+          <a:fontRef idx="minor">
+            <a:schemeClr val="lt1"/>
+          </a:fontRef>
+        </p:style>
+        <p:txBody>
+          <a:bodyPr rtlCol="0" anchor="ctr"/>
+          <a:lstStyle/>
+          <a:p>
+            <a:pPr algn="ctr"/>
+            <a:r>
+              <a:rPr lang="nb-NO" dirty="0" err="1"/>
+              <a:t>MathGradedXBlock</a:t>
+            </a:r>
+            <a:endParaRPr lang="nb-NO" dirty="0"/>
+          </a:p>
+          <a:p>
+            <a:pPr algn="ctr"/>
+            <a:r>
+              <a:rPr lang="nb-NO" dirty="0">
+                <a:solidFill>
+                  <a:schemeClr val="tx1"/>
+                </a:solidFill>
+              </a:rPr>
+              <a:t>render()</a:t>
+            </a:r>
+          </a:p>
+          <a:p>
+            <a:pPr algn="ctr"/>
+            <a:r>
+              <a:rPr lang="nb-NO" dirty="0">
+                <a:solidFill>
+                  <a:schemeClr val="tx1"/>
+                </a:solidFill>
+              </a:rPr>
+              <a:t>grade()</a:t>
+            </a:r>
+          </a:p>
+        </p:txBody>
+      </p:sp>
+      <p:cxnSp>
+        <p:nvCxnSpPr>
+          <p:cNvPr id="11" name="Rett pilkobling 10">
+            <a:extLst>
+              <a:ext uri="{FF2B5EF4-FFF2-40B4-BE49-F238E27FC236}">
+                <a16:creationId xmlns:a16="http://schemas.microsoft.com/office/drawing/2014/main" id="{DF5D743A-8D40-4B2E-98E0-1C21D9663D90}"/>
+              </a:ext>
+            </a:extLst>
+          </p:cNvPr>
+          <p:cNvCxnSpPr>
+            <a:cxnSpLocks/>
+            <a:stCxn id="12" idx="2"/>
+            <a:endCxn id="10" idx="0"/>
+          </p:cNvCxnSpPr>
+          <p:nvPr/>
+        </p:nvCxnSpPr>
+        <p:spPr>
+          <a:xfrm>
+            <a:off x="10191394" y="4605850"/>
+            <a:ext cx="12462" cy="664952"/>
+          </a:xfrm>
+          <a:prstGeom prst="straightConnector1">
+            <a:avLst/>
+          </a:prstGeom>
+          <a:ln>
+            <a:tailEnd type="triangle"/>
+          </a:ln>
+        </p:spPr>
+        <p:style>
+          <a:lnRef idx="1">
+            <a:schemeClr val="accent1"/>
+          </a:lnRef>
+          <a:fillRef idx="0">
+            <a:schemeClr val="accent1"/>
+          </a:fillRef>
+          <a:effectRef idx="0">
+            <a:schemeClr val="accent1"/>
+          </a:effectRef>
+          <a:fontRef idx="minor">
+            <a:schemeClr val="tx1"/>
+          </a:fontRef>
+        </p:style>
+      </p:cxnSp>
+      <p:sp>
+        <p:nvSpPr>
+          <p:cNvPr id="12" name="Rektangel 11">
+            <a:extLst>
+              <a:ext uri="{FF2B5EF4-FFF2-40B4-BE49-F238E27FC236}">
+                <a16:creationId xmlns:a16="http://schemas.microsoft.com/office/drawing/2014/main" id="{4F81046E-5476-435D-B2EA-FC846BBD714E}"/>
+              </a:ext>
+            </a:extLst>
+          </p:cNvPr>
+          <p:cNvSpPr/>
+          <p:nvPr/>
+        </p:nvSpPr>
+        <p:spPr>
+          <a:xfrm>
+            <a:off x="8670164" y="3785573"/>
+            <a:ext cx="3042459" cy="820277"/>
+          </a:xfrm>
+          <a:prstGeom prst="rect">
+            <a:avLst/>
+          </a:prstGeom>
+        </p:spPr>
+        <p:style>
+          <a:lnRef idx="2">
+            <a:schemeClr val="accent1">
+              <a:shade val="50000"/>
+            </a:schemeClr>
+          </a:lnRef>
+          <a:fillRef idx="1">
+            <a:schemeClr val="accent1"/>
+          </a:fillRef>
+          <a:effectRef idx="0">
+            <a:schemeClr val="accent1"/>
+          </a:effectRef>
+          <a:fontRef idx="minor">
+            <a:schemeClr val="lt1"/>
+          </a:fontRef>
+        </p:style>
+        <p:txBody>
+          <a:bodyPr rtlCol="0" anchor="ctr"/>
+          <a:lstStyle/>
+          <a:p>
+            <a:pPr algn="ctr"/>
+            <a:r>
+              <a:rPr lang="nb-NO" dirty="0" err="1"/>
+              <a:t>AbstractGradedProblemXBlock</a:t>
+            </a:r>
+            <a:endParaRPr lang="nb-NO" dirty="0"/>
+          </a:p>
+          <a:p>
+            <a:pPr algn="ctr"/>
+            <a:r>
+              <a:rPr lang="nb-NO" dirty="0">
+                <a:solidFill>
+                  <a:srgbClr val="FF0000"/>
+                </a:solidFill>
+              </a:rPr>
+              <a:t>grade()</a:t>
+            </a:r>
+          </a:p>
+        </p:txBody>
+      </p:sp>
+      <p:cxnSp>
+        <p:nvCxnSpPr>
+          <p:cNvPr id="13" name="Rett pilkobling 12">
+            <a:extLst>
+              <a:ext uri="{FF2B5EF4-FFF2-40B4-BE49-F238E27FC236}">
+                <a16:creationId xmlns:a16="http://schemas.microsoft.com/office/drawing/2014/main" id="{BF71DD3C-0B51-44B5-B0E7-359F1D4E5195}"/>
+              </a:ext>
+            </a:extLst>
+          </p:cNvPr>
+          <p:cNvCxnSpPr>
+            <a:cxnSpLocks/>
+            <a:stCxn id="6" idx="2"/>
+            <a:endCxn id="12" idx="0"/>
+          </p:cNvCxnSpPr>
+          <p:nvPr/>
+        </p:nvCxnSpPr>
+        <p:spPr>
+          <a:xfrm flipH="1">
+            <a:off x="10191394" y="3235358"/>
+            <a:ext cx="1" cy="550215"/>
+          </a:xfrm>
+          <a:prstGeom prst="straightConnector1">
+            <a:avLst/>
+          </a:prstGeom>
+          <a:ln>
+            <a:tailEnd type="triangle"/>
+          </a:ln>
+        </p:spPr>
+        <p:style>
+          <a:lnRef idx="1">
+            <a:schemeClr val="accent1"/>
+          </a:lnRef>
+          <a:fillRef idx="0">
+            <a:schemeClr val="accent1"/>
+          </a:fillRef>
+          <a:effectRef idx="0">
+            <a:schemeClr val="accent1"/>
+          </a:effectRef>
+          <a:fontRef idx="minor">
+            <a:schemeClr val="tx1"/>
+          </a:fontRef>
+        </p:style>
+      </p:cxnSp>
     </p:spTree>
     <p:extLst>
       <p:ext uri="{BB962C8B-B14F-4D97-AF65-F5344CB8AC3E}">
-        <p14:creationId xmlns:p14="http://schemas.microsoft.com/office/powerpoint/2010/main" val="4264426230"/>
+        <p14:creationId xmlns:p14="http://schemas.microsoft.com/office/powerpoint/2010/main" val="215719289"/>
       </p:ext>
     </p:extLst>
   </p:cSld>
@@ -3675,16 +4928,580 @@
           <a:p>
             <a:r>
               <a:rPr lang="nb-NO" sz="3200" dirty="0" err="1"/>
-              <a:t>Inheritance</a:t>
+              <a:t>Abstraction</a:t>
             </a:r>
             <a:endParaRPr lang="nb-NO" sz="3200" dirty="0"/>
           </a:p>
         </p:txBody>
       </p:sp>
+      <p:sp>
+        <p:nvSpPr>
+          <p:cNvPr id="3" name="TekstSylinder 2">
+            <a:extLst>
+              <a:ext uri="{FF2B5EF4-FFF2-40B4-BE49-F238E27FC236}">
+                <a16:creationId xmlns:a16="http://schemas.microsoft.com/office/drawing/2014/main" id="{90CE216F-DB65-46C4-AE83-7FCE1586E21B}"/>
+              </a:ext>
+            </a:extLst>
+          </p:cNvPr>
+          <p:cNvSpPr txBox="1"/>
+          <p:nvPr/>
+        </p:nvSpPr>
+        <p:spPr>
+          <a:xfrm>
+            <a:off x="232757" y="1814916"/>
+            <a:ext cx="3715788" cy="1200329"/>
+          </a:xfrm>
+          <a:prstGeom prst="rect">
+            <a:avLst/>
+          </a:prstGeom>
+          <a:noFill/>
+        </p:spPr>
+        <p:txBody>
+          <a:bodyPr wrap="square" rtlCol="0">
+            <a:spAutoFit/>
+          </a:bodyPr>
+          <a:lstStyle/>
+          <a:p>
+            <a:pPr marL="285750" indent="-285750">
+              <a:buFont typeface="Arial" panose="020B0604020202020204" pitchFamily="34" charset="0"/>
+              <a:buChar char="•"/>
+            </a:pPr>
+            <a:r>
+              <a:rPr lang="nb-NO" dirty="0" err="1"/>
+              <a:t>abstract</a:t>
+            </a:r>
+            <a:r>
+              <a:rPr lang="nb-NO" dirty="0"/>
+              <a:t> </a:t>
+            </a:r>
+            <a:r>
+              <a:rPr lang="nb-NO" dirty="0" err="1"/>
+              <a:t>class</a:t>
+            </a:r>
+            <a:endParaRPr lang="nb-NO" dirty="0"/>
+          </a:p>
+          <a:p>
+            <a:pPr marL="285750" indent="-285750">
+              <a:buFont typeface="Arial" panose="020B0604020202020204" pitchFamily="34" charset="0"/>
+              <a:buChar char="•"/>
+            </a:pPr>
+            <a:endParaRPr lang="nb-NO" dirty="0"/>
+          </a:p>
+          <a:p>
+            <a:pPr marL="285750" indent="-285750">
+              <a:buFont typeface="Arial" panose="020B0604020202020204" pitchFamily="34" charset="0"/>
+              <a:buChar char="•"/>
+            </a:pPr>
+            <a:r>
+              <a:rPr lang="nb-NO" dirty="0" err="1"/>
+              <a:t>interface</a:t>
+            </a:r>
+            <a:r>
+              <a:rPr lang="nb-NO" dirty="0"/>
+              <a:t> (høyere nivå enn </a:t>
+            </a:r>
+            <a:r>
+              <a:rPr lang="nb-NO" dirty="0" err="1"/>
+              <a:t>abstract</a:t>
+            </a:r>
+            <a:r>
+              <a:rPr lang="nb-NO" dirty="0"/>
+              <a:t> </a:t>
+            </a:r>
+            <a:r>
+              <a:rPr lang="nb-NO" dirty="0" err="1"/>
+              <a:t>class</a:t>
+            </a:r>
+            <a:r>
+              <a:rPr lang="nb-NO" dirty="0"/>
+              <a:t>)</a:t>
+            </a:r>
+          </a:p>
+        </p:txBody>
+      </p:sp>
+      <p:sp>
+        <p:nvSpPr>
+          <p:cNvPr id="2" name="Rektangel 1">
+            <a:extLst>
+              <a:ext uri="{FF2B5EF4-FFF2-40B4-BE49-F238E27FC236}">
+                <a16:creationId xmlns:a16="http://schemas.microsoft.com/office/drawing/2014/main" id="{10F6FDC3-ECDA-4C9A-85A3-0005DC134EA4}"/>
+              </a:ext>
+            </a:extLst>
+          </p:cNvPr>
+          <p:cNvSpPr/>
+          <p:nvPr/>
+        </p:nvSpPr>
+        <p:spPr>
+          <a:xfrm>
+            <a:off x="7423264" y="489008"/>
+            <a:ext cx="2186244" cy="965719"/>
+          </a:xfrm>
+          <a:prstGeom prst="rect">
+            <a:avLst/>
+          </a:prstGeom>
+        </p:spPr>
+        <p:style>
+          <a:lnRef idx="2">
+            <a:schemeClr val="accent1">
+              <a:shade val="50000"/>
+            </a:schemeClr>
+          </a:lnRef>
+          <a:fillRef idx="1">
+            <a:schemeClr val="accent1"/>
+          </a:fillRef>
+          <a:effectRef idx="0">
+            <a:schemeClr val="accent1"/>
+          </a:effectRef>
+          <a:fontRef idx="minor">
+            <a:schemeClr val="lt1"/>
+          </a:fontRef>
+        </p:style>
+        <p:txBody>
+          <a:bodyPr rtlCol="0" anchor="ctr"/>
+          <a:lstStyle/>
+          <a:p>
+            <a:pPr algn="ctr"/>
+            <a:r>
+              <a:rPr lang="nb-NO" dirty="0" err="1"/>
+              <a:t>AbstractXBlock</a:t>
+            </a:r>
+            <a:endParaRPr lang="nb-NO" dirty="0"/>
+          </a:p>
+          <a:p>
+            <a:pPr algn="ctr"/>
+            <a:r>
+              <a:rPr lang="nb-NO" dirty="0">
+                <a:solidFill>
+                  <a:srgbClr val="FF0000"/>
+                </a:solidFill>
+              </a:rPr>
+              <a:t>render()</a:t>
+            </a:r>
+          </a:p>
+        </p:txBody>
+      </p:sp>
+      <p:sp>
+        <p:nvSpPr>
+          <p:cNvPr id="5" name="Rektangel 4">
+            <a:extLst>
+              <a:ext uri="{FF2B5EF4-FFF2-40B4-BE49-F238E27FC236}">
+                <a16:creationId xmlns:a16="http://schemas.microsoft.com/office/drawing/2014/main" id="{580D9634-A39B-4631-B804-9D102F66953D}"/>
+              </a:ext>
+            </a:extLst>
+          </p:cNvPr>
+          <p:cNvSpPr/>
+          <p:nvPr/>
+        </p:nvSpPr>
+        <p:spPr>
+          <a:xfrm>
+            <a:off x="8670165" y="2415081"/>
+            <a:ext cx="3042459" cy="820277"/>
+          </a:xfrm>
+          <a:prstGeom prst="rect">
+            <a:avLst/>
+          </a:prstGeom>
+        </p:spPr>
+        <p:style>
+          <a:lnRef idx="2">
+            <a:schemeClr val="accent1">
+              <a:shade val="50000"/>
+            </a:schemeClr>
+          </a:lnRef>
+          <a:fillRef idx="1">
+            <a:schemeClr val="accent1"/>
+          </a:fillRef>
+          <a:effectRef idx="0">
+            <a:schemeClr val="accent1"/>
+          </a:effectRef>
+          <a:fontRef idx="minor">
+            <a:schemeClr val="lt1"/>
+          </a:fontRef>
+        </p:style>
+        <p:txBody>
+          <a:bodyPr rtlCol="0" anchor="ctr"/>
+          <a:lstStyle/>
+          <a:p>
+            <a:pPr algn="ctr"/>
+            <a:r>
+              <a:rPr lang="nb-NO" dirty="0" err="1"/>
+              <a:t>ProblemXBlock</a:t>
+            </a:r>
+            <a:endParaRPr lang="nb-NO" dirty="0"/>
+          </a:p>
+          <a:p>
+            <a:pPr algn="ctr"/>
+            <a:r>
+              <a:rPr lang="nb-NO" dirty="0"/>
+              <a:t>$problem</a:t>
+            </a:r>
+          </a:p>
+        </p:txBody>
+      </p:sp>
+      <p:cxnSp>
+        <p:nvCxnSpPr>
+          <p:cNvPr id="7" name="Rett pilkobling 6">
+            <a:extLst>
+              <a:ext uri="{FF2B5EF4-FFF2-40B4-BE49-F238E27FC236}">
+                <a16:creationId xmlns:a16="http://schemas.microsoft.com/office/drawing/2014/main" id="{B812FC97-E6B5-4CE7-85A1-B50EC2324D47}"/>
+              </a:ext>
+            </a:extLst>
+          </p:cNvPr>
+          <p:cNvCxnSpPr>
+            <a:cxnSpLocks/>
+            <a:endCxn id="5" idx="0"/>
+          </p:cNvCxnSpPr>
+          <p:nvPr/>
+        </p:nvCxnSpPr>
+        <p:spPr>
+          <a:xfrm>
+            <a:off x="8516386" y="608281"/>
+            <a:ext cx="1675009" cy="1806800"/>
+          </a:xfrm>
+          <a:prstGeom prst="straightConnector1">
+            <a:avLst/>
+          </a:prstGeom>
+          <a:ln>
+            <a:tailEnd type="triangle"/>
+          </a:ln>
+        </p:spPr>
+        <p:style>
+          <a:lnRef idx="1">
+            <a:schemeClr val="accent1"/>
+          </a:lnRef>
+          <a:fillRef idx="0">
+            <a:schemeClr val="accent1"/>
+          </a:fillRef>
+          <a:effectRef idx="0">
+            <a:schemeClr val="accent1"/>
+          </a:effectRef>
+          <a:fontRef idx="minor">
+            <a:schemeClr val="tx1"/>
+          </a:fontRef>
+        </p:style>
+      </p:cxnSp>
+      <p:sp>
+        <p:nvSpPr>
+          <p:cNvPr id="9" name="Rektangel 8">
+            <a:extLst>
+              <a:ext uri="{FF2B5EF4-FFF2-40B4-BE49-F238E27FC236}">
+                <a16:creationId xmlns:a16="http://schemas.microsoft.com/office/drawing/2014/main" id="{690F9ED2-40D2-44BB-99BC-FCCD887C364C}"/>
+              </a:ext>
+            </a:extLst>
+          </p:cNvPr>
+          <p:cNvSpPr/>
+          <p:nvPr/>
+        </p:nvSpPr>
+        <p:spPr>
+          <a:xfrm>
+            <a:off x="4524425" y="2388912"/>
+            <a:ext cx="3042459" cy="820277"/>
+          </a:xfrm>
+          <a:prstGeom prst="rect">
+            <a:avLst/>
+          </a:prstGeom>
+        </p:spPr>
+        <p:style>
+          <a:lnRef idx="3">
+            <a:schemeClr val="lt1"/>
+          </a:lnRef>
+          <a:fillRef idx="1">
+            <a:schemeClr val="accent6"/>
+          </a:fillRef>
+          <a:effectRef idx="1">
+            <a:schemeClr val="accent6"/>
+          </a:effectRef>
+          <a:fontRef idx="minor">
+            <a:schemeClr val="lt1"/>
+          </a:fontRef>
+        </p:style>
+        <p:txBody>
+          <a:bodyPr rtlCol="0" anchor="ctr"/>
+          <a:lstStyle/>
+          <a:p>
+            <a:pPr algn="ctr"/>
+            <a:r>
+              <a:rPr lang="nb-NO" dirty="0" err="1"/>
+              <a:t>TextXBlock</a:t>
+            </a:r>
+            <a:endParaRPr lang="nb-NO" dirty="0"/>
+          </a:p>
+          <a:p>
+            <a:pPr algn="ctr"/>
+            <a:r>
+              <a:rPr lang="nb-NO" dirty="0">
+                <a:solidFill>
+                  <a:schemeClr val="tx1"/>
+                </a:solidFill>
+              </a:rPr>
+              <a:t>render()</a:t>
+            </a:r>
+          </a:p>
+        </p:txBody>
+      </p:sp>
+      <p:cxnSp>
+        <p:nvCxnSpPr>
+          <p:cNvPr id="10" name="Rett pilkobling 9">
+            <a:extLst>
+              <a:ext uri="{FF2B5EF4-FFF2-40B4-BE49-F238E27FC236}">
+                <a16:creationId xmlns:a16="http://schemas.microsoft.com/office/drawing/2014/main" id="{9D6948C5-B80E-4681-84A7-CC9FD6CC88D1}"/>
+              </a:ext>
+            </a:extLst>
+          </p:cNvPr>
+          <p:cNvCxnSpPr>
+            <a:cxnSpLocks/>
+            <a:stCxn id="2" idx="2"/>
+            <a:endCxn id="9" idx="0"/>
+          </p:cNvCxnSpPr>
+          <p:nvPr/>
+        </p:nvCxnSpPr>
+        <p:spPr>
+          <a:xfrm flipH="1">
+            <a:off x="6045655" y="1454727"/>
+            <a:ext cx="2470731" cy="934185"/>
+          </a:xfrm>
+          <a:prstGeom prst="straightConnector1">
+            <a:avLst/>
+          </a:prstGeom>
+          <a:ln>
+            <a:tailEnd type="triangle"/>
+          </a:ln>
+        </p:spPr>
+        <p:style>
+          <a:lnRef idx="1">
+            <a:schemeClr val="accent1"/>
+          </a:lnRef>
+          <a:fillRef idx="0">
+            <a:schemeClr val="accent1"/>
+          </a:fillRef>
+          <a:effectRef idx="0">
+            <a:schemeClr val="accent1"/>
+          </a:effectRef>
+          <a:fontRef idx="minor">
+            <a:schemeClr val="tx1"/>
+          </a:fontRef>
+        </p:style>
+      </p:cxnSp>
+      <p:sp>
+        <p:nvSpPr>
+          <p:cNvPr id="13" name="Rektangel 12">
+            <a:extLst>
+              <a:ext uri="{FF2B5EF4-FFF2-40B4-BE49-F238E27FC236}">
+                <a16:creationId xmlns:a16="http://schemas.microsoft.com/office/drawing/2014/main" id="{B7978C77-D2F8-42E0-AF2B-373B5DAF1BBC}"/>
+              </a:ext>
+            </a:extLst>
+          </p:cNvPr>
+          <p:cNvSpPr/>
+          <p:nvPr/>
+        </p:nvSpPr>
+        <p:spPr>
+          <a:xfrm>
+            <a:off x="8682626" y="5270802"/>
+            <a:ext cx="3042459" cy="820277"/>
+          </a:xfrm>
+          <a:prstGeom prst="rect">
+            <a:avLst/>
+          </a:prstGeom>
+        </p:spPr>
+        <p:style>
+          <a:lnRef idx="3">
+            <a:schemeClr val="lt1"/>
+          </a:lnRef>
+          <a:fillRef idx="1">
+            <a:schemeClr val="accent6"/>
+          </a:fillRef>
+          <a:effectRef idx="1">
+            <a:schemeClr val="accent6"/>
+          </a:effectRef>
+          <a:fontRef idx="minor">
+            <a:schemeClr val="lt1"/>
+          </a:fontRef>
+        </p:style>
+        <p:txBody>
+          <a:bodyPr rtlCol="0" anchor="ctr"/>
+          <a:lstStyle/>
+          <a:p>
+            <a:pPr algn="ctr"/>
+            <a:r>
+              <a:rPr lang="nb-NO" dirty="0" err="1"/>
+              <a:t>MathGradedXBlock</a:t>
+            </a:r>
+            <a:endParaRPr lang="nb-NO" dirty="0"/>
+          </a:p>
+          <a:p>
+            <a:pPr algn="ctr"/>
+            <a:r>
+              <a:rPr lang="nb-NO" dirty="0">
+                <a:solidFill>
+                  <a:schemeClr val="tx1"/>
+                </a:solidFill>
+              </a:rPr>
+              <a:t>render()</a:t>
+            </a:r>
+          </a:p>
+          <a:p>
+            <a:pPr algn="ctr"/>
+            <a:r>
+              <a:rPr lang="nb-NO" dirty="0">
+                <a:solidFill>
+                  <a:schemeClr val="tx1"/>
+                </a:solidFill>
+              </a:rPr>
+              <a:t>grade()</a:t>
+            </a:r>
+          </a:p>
+        </p:txBody>
+      </p:sp>
+      <p:cxnSp>
+        <p:nvCxnSpPr>
+          <p:cNvPr id="14" name="Rett pilkobling 13">
+            <a:extLst>
+              <a:ext uri="{FF2B5EF4-FFF2-40B4-BE49-F238E27FC236}">
+                <a16:creationId xmlns:a16="http://schemas.microsoft.com/office/drawing/2014/main" id="{73426FB4-C398-4174-95B9-D25A4526A2D9}"/>
+              </a:ext>
+            </a:extLst>
+          </p:cNvPr>
+          <p:cNvCxnSpPr>
+            <a:cxnSpLocks/>
+            <a:stCxn id="19" idx="2"/>
+            <a:endCxn id="13" idx="0"/>
+          </p:cNvCxnSpPr>
+          <p:nvPr/>
+        </p:nvCxnSpPr>
+        <p:spPr>
+          <a:xfrm>
+            <a:off x="10191394" y="4605850"/>
+            <a:ext cx="12462" cy="664952"/>
+          </a:xfrm>
+          <a:prstGeom prst="straightConnector1">
+            <a:avLst/>
+          </a:prstGeom>
+          <a:ln>
+            <a:tailEnd type="triangle"/>
+          </a:ln>
+        </p:spPr>
+        <p:style>
+          <a:lnRef idx="1">
+            <a:schemeClr val="accent1"/>
+          </a:lnRef>
+          <a:fillRef idx="0">
+            <a:schemeClr val="accent1"/>
+          </a:fillRef>
+          <a:effectRef idx="0">
+            <a:schemeClr val="accent1"/>
+          </a:effectRef>
+          <a:fontRef idx="minor">
+            <a:schemeClr val="tx1"/>
+          </a:fontRef>
+        </p:style>
+      </p:cxnSp>
+      <p:sp>
+        <p:nvSpPr>
+          <p:cNvPr id="19" name="Rektangel 18">
+            <a:extLst>
+              <a:ext uri="{FF2B5EF4-FFF2-40B4-BE49-F238E27FC236}">
+                <a16:creationId xmlns:a16="http://schemas.microsoft.com/office/drawing/2014/main" id="{2F176E81-4F04-4CDD-B2C6-468FB0B692B0}"/>
+              </a:ext>
+            </a:extLst>
+          </p:cNvPr>
+          <p:cNvSpPr/>
+          <p:nvPr/>
+        </p:nvSpPr>
+        <p:spPr>
+          <a:xfrm>
+            <a:off x="8670164" y="3785573"/>
+            <a:ext cx="3042459" cy="820277"/>
+          </a:xfrm>
+          <a:prstGeom prst="rect">
+            <a:avLst/>
+          </a:prstGeom>
+        </p:spPr>
+        <p:style>
+          <a:lnRef idx="2">
+            <a:schemeClr val="accent1">
+              <a:shade val="50000"/>
+            </a:schemeClr>
+          </a:lnRef>
+          <a:fillRef idx="1">
+            <a:schemeClr val="accent1"/>
+          </a:fillRef>
+          <a:effectRef idx="0">
+            <a:schemeClr val="accent1"/>
+          </a:effectRef>
+          <a:fontRef idx="minor">
+            <a:schemeClr val="lt1"/>
+          </a:fontRef>
+        </p:style>
+        <p:txBody>
+          <a:bodyPr rtlCol="0" anchor="ctr"/>
+          <a:lstStyle/>
+          <a:p>
+            <a:pPr algn="ctr"/>
+            <a:r>
+              <a:rPr lang="nb-NO" dirty="0" err="1"/>
+              <a:t>AbstractGradedProblemXBlock</a:t>
+            </a:r>
+            <a:endParaRPr lang="nb-NO" dirty="0"/>
+          </a:p>
+          <a:p>
+            <a:pPr algn="ctr"/>
+            <a:r>
+              <a:rPr lang="nb-NO" dirty="0">
+                <a:solidFill>
+                  <a:srgbClr val="FF0000"/>
+                </a:solidFill>
+              </a:rPr>
+              <a:t>grade()</a:t>
+            </a:r>
+          </a:p>
+        </p:txBody>
+      </p:sp>
+      <p:cxnSp>
+        <p:nvCxnSpPr>
+          <p:cNvPr id="22" name="Rett pilkobling 21">
+            <a:extLst>
+              <a:ext uri="{FF2B5EF4-FFF2-40B4-BE49-F238E27FC236}">
+                <a16:creationId xmlns:a16="http://schemas.microsoft.com/office/drawing/2014/main" id="{BC0A2A56-E198-4AFA-83F8-8208CE7564C7}"/>
+              </a:ext>
+            </a:extLst>
+          </p:cNvPr>
+          <p:cNvCxnSpPr>
+            <a:cxnSpLocks/>
+            <a:stCxn id="5" idx="2"/>
+            <a:endCxn id="19" idx="0"/>
+          </p:cNvCxnSpPr>
+          <p:nvPr/>
+        </p:nvCxnSpPr>
+        <p:spPr>
+          <a:xfrm flipH="1">
+            <a:off x="10191394" y="3235358"/>
+            <a:ext cx="1" cy="550215"/>
+          </a:xfrm>
+          <a:prstGeom prst="straightConnector1">
+            <a:avLst/>
+          </a:prstGeom>
+          <a:ln>
+            <a:tailEnd type="triangle"/>
+          </a:ln>
+        </p:spPr>
+        <p:style>
+          <a:lnRef idx="1">
+            <a:schemeClr val="accent1"/>
+          </a:lnRef>
+          <a:fillRef idx="0">
+            <a:schemeClr val="accent1"/>
+          </a:fillRef>
+          <a:effectRef idx="0">
+            <a:schemeClr val="accent1"/>
+          </a:effectRef>
+          <a:fontRef idx="minor">
+            <a:schemeClr val="tx1"/>
+          </a:fontRef>
+        </p:style>
+      </p:cxnSp>
     </p:spTree>
     <p:extLst>
       <p:ext uri="{BB962C8B-B14F-4D97-AF65-F5344CB8AC3E}">
-        <p14:creationId xmlns:p14="http://schemas.microsoft.com/office/powerpoint/2010/main" val="215719289"/>
+        <p14:creationId xmlns:p14="http://schemas.microsoft.com/office/powerpoint/2010/main" val="4264426230"/>
       </p:ext>
     </p:extLst>
   </p:cSld>
@@ -3747,6 +5564,117 @@
           </a:p>
         </p:txBody>
       </p:sp>
+      <p:sp>
+        <p:nvSpPr>
+          <p:cNvPr id="3" name="TekstSylinder 2">
+            <a:extLst>
+              <a:ext uri="{FF2B5EF4-FFF2-40B4-BE49-F238E27FC236}">
+                <a16:creationId xmlns:a16="http://schemas.microsoft.com/office/drawing/2014/main" id="{9B7F0AA5-65BC-40BD-976D-86766E7AC5C4}"/>
+              </a:ext>
+            </a:extLst>
+          </p:cNvPr>
+          <p:cNvSpPr txBox="1"/>
+          <p:nvPr/>
+        </p:nvSpPr>
+        <p:spPr>
+          <a:xfrm>
+            <a:off x="232757" y="1814916"/>
+            <a:ext cx="3715788" cy="1477328"/>
+          </a:xfrm>
+          <a:prstGeom prst="rect">
+            <a:avLst/>
+          </a:prstGeom>
+          <a:noFill/>
+        </p:spPr>
+        <p:txBody>
+          <a:bodyPr wrap="square" rtlCol="0">
+            <a:spAutoFit/>
+          </a:bodyPr>
+          <a:lstStyle/>
+          <a:p>
+            <a:pPr marL="285750" indent="-285750">
+              <a:buFont typeface="Arial" panose="020B0604020202020204" pitchFamily="34" charset="0"/>
+              <a:buChar char="•"/>
+            </a:pPr>
+            <a:r>
+              <a:rPr lang="nb-NO" dirty="0"/>
+              <a:t>«</a:t>
+            </a:r>
+            <a:r>
+              <a:rPr lang="nb-NO" dirty="0" err="1"/>
+              <a:t>many</a:t>
+            </a:r>
+            <a:r>
+              <a:rPr lang="nb-NO" dirty="0"/>
+              <a:t> </a:t>
+            </a:r>
+            <a:r>
+              <a:rPr lang="nb-NO" dirty="0" err="1"/>
+              <a:t>shapes</a:t>
+            </a:r>
+            <a:r>
+              <a:rPr lang="nb-NO" dirty="0"/>
+              <a:t>» – mange former</a:t>
+            </a:r>
+          </a:p>
+          <a:p>
+            <a:pPr marL="285750" indent="-285750">
+              <a:buFont typeface="Arial" panose="020B0604020202020204" pitchFamily="34" charset="0"/>
+              <a:buChar char="•"/>
+            </a:pPr>
+            <a:endParaRPr lang="nb-NO" dirty="0"/>
+          </a:p>
+          <a:p>
+            <a:pPr marL="285750" indent="-285750">
+              <a:buFont typeface="Arial" panose="020B0604020202020204" pitchFamily="34" charset="0"/>
+              <a:buChar char="•"/>
+            </a:pPr>
+            <a:r>
+              <a:rPr lang="nb-NO" dirty="0" err="1"/>
+              <a:t>php</a:t>
+            </a:r>
+            <a:r>
+              <a:rPr lang="nb-NO" dirty="0"/>
+              <a:t> kan jobbe på abstrakte klasser, men endrer form ved </a:t>
+            </a:r>
+            <a:r>
+              <a:rPr lang="nb-NO" dirty="0" err="1"/>
+              <a:t>runtime</a:t>
+            </a:r>
+            <a:endParaRPr lang="nb-NO" dirty="0"/>
+          </a:p>
+        </p:txBody>
+      </p:sp>
+      <p:pic>
+        <p:nvPicPr>
+          <p:cNvPr id="5" name="Bilde 4">
+            <a:extLst>
+              <a:ext uri="{FF2B5EF4-FFF2-40B4-BE49-F238E27FC236}">
+                <a16:creationId xmlns:a16="http://schemas.microsoft.com/office/drawing/2014/main" id="{3AEAB89A-0A1B-4457-BF73-7949F060FC3E}"/>
+              </a:ext>
+            </a:extLst>
+          </p:cNvPr>
+          <p:cNvPicPr>
+            <a:picLocks noChangeAspect="1"/>
+          </p:cNvPicPr>
+          <p:nvPr/>
+        </p:nvPicPr>
+        <p:blipFill>
+          <a:blip r:embed="rId2"/>
+          <a:stretch>
+            <a:fillRect/>
+          </a:stretch>
+        </p:blipFill>
+        <p:spPr>
+          <a:xfrm>
+            <a:off x="5682305" y="0"/>
+            <a:ext cx="6509695" cy="6858000"/>
+          </a:xfrm>
+          <a:prstGeom prst="rect">
+            <a:avLst/>
+          </a:prstGeom>
+        </p:spPr>
+      </p:pic>
     </p:spTree>
     <p:extLst>
       <p:ext uri="{BB962C8B-B14F-4D97-AF65-F5344CB8AC3E}">

--- a/docs/concepts.pptx
+++ b/docs/concepts.pptx
@@ -10,8 +10,8 @@
     <p:sldId id="267" r:id="rId4"/>
     <p:sldId id="266" r:id="rId5"/>
     <p:sldId id="268" r:id="rId6"/>
-    <p:sldId id="257" r:id="rId7"/>
-    <p:sldId id="258" r:id="rId8"/>
+    <p:sldId id="258" r:id="rId7"/>
+    <p:sldId id="257" r:id="rId8"/>
     <p:sldId id="259" r:id="rId9"/>
     <p:sldId id="260" r:id="rId10"/>
     <p:sldId id="261" r:id="rId11"/>
@@ -271,7 +271,7 @@
           <a:p>
             <a:fld id="{4FCAE795-C102-421B-9570-402CB385BC70}" type="datetimeFigureOut">
               <a:rPr lang="nb-NO" smtClean="0"/>
-              <a:t>25.10.2021</a:t>
+              <a:t>28.10.2021</a:t>
             </a:fld>
             <a:endParaRPr lang="nb-NO"/>
           </a:p>
@@ -469,7 +469,7 @@
           <a:p>
             <a:fld id="{4FCAE795-C102-421B-9570-402CB385BC70}" type="datetimeFigureOut">
               <a:rPr lang="nb-NO" smtClean="0"/>
-              <a:t>25.10.2021</a:t>
+              <a:t>28.10.2021</a:t>
             </a:fld>
             <a:endParaRPr lang="nb-NO"/>
           </a:p>
@@ -677,7 +677,7 @@
           <a:p>
             <a:fld id="{4FCAE795-C102-421B-9570-402CB385BC70}" type="datetimeFigureOut">
               <a:rPr lang="nb-NO" smtClean="0"/>
-              <a:t>25.10.2021</a:t>
+              <a:t>28.10.2021</a:t>
             </a:fld>
             <a:endParaRPr lang="nb-NO"/>
           </a:p>
@@ -875,7 +875,7 @@
           <a:p>
             <a:fld id="{4FCAE795-C102-421B-9570-402CB385BC70}" type="datetimeFigureOut">
               <a:rPr lang="nb-NO" smtClean="0"/>
-              <a:t>25.10.2021</a:t>
+              <a:t>28.10.2021</a:t>
             </a:fld>
             <a:endParaRPr lang="nb-NO"/>
           </a:p>
@@ -1150,7 +1150,7 @@
           <a:p>
             <a:fld id="{4FCAE795-C102-421B-9570-402CB385BC70}" type="datetimeFigureOut">
               <a:rPr lang="nb-NO" smtClean="0"/>
-              <a:t>25.10.2021</a:t>
+              <a:t>28.10.2021</a:t>
             </a:fld>
             <a:endParaRPr lang="nb-NO"/>
           </a:p>
@@ -1415,7 +1415,7 @@
           <a:p>
             <a:fld id="{4FCAE795-C102-421B-9570-402CB385BC70}" type="datetimeFigureOut">
               <a:rPr lang="nb-NO" smtClean="0"/>
-              <a:t>25.10.2021</a:t>
+              <a:t>28.10.2021</a:t>
             </a:fld>
             <a:endParaRPr lang="nb-NO"/>
           </a:p>
@@ -1827,7 +1827,7 @@
           <a:p>
             <a:fld id="{4FCAE795-C102-421B-9570-402CB385BC70}" type="datetimeFigureOut">
               <a:rPr lang="nb-NO" smtClean="0"/>
-              <a:t>25.10.2021</a:t>
+              <a:t>28.10.2021</a:t>
             </a:fld>
             <a:endParaRPr lang="nb-NO"/>
           </a:p>
@@ -1968,7 +1968,7 @@
           <a:p>
             <a:fld id="{4FCAE795-C102-421B-9570-402CB385BC70}" type="datetimeFigureOut">
               <a:rPr lang="nb-NO" smtClean="0"/>
-              <a:t>25.10.2021</a:t>
+              <a:t>28.10.2021</a:t>
             </a:fld>
             <a:endParaRPr lang="nb-NO"/>
           </a:p>
@@ -2081,7 +2081,7 @@
           <a:p>
             <a:fld id="{4FCAE795-C102-421B-9570-402CB385BC70}" type="datetimeFigureOut">
               <a:rPr lang="nb-NO" smtClean="0"/>
-              <a:t>25.10.2021</a:t>
+              <a:t>28.10.2021</a:t>
             </a:fld>
             <a:endParaRPr lang="nb-NO"/>
           </a:p>
@@ -2392,7 +2392,7 @@
           <a:p>
             <a:fld id="{4FCAE795-C102-421B-9570-402CB385BC70}" type="datetimeFigureOut">
               <a:rPr lang="nb-NO" smtClean="0"/>
-              <a:t>25.10.2021</a:t>
+              <a:t>28.10.2021</a:t>
             </a:fld>
             <a:endParaRPr lang="nb-NO"/>
           </a:p>
@@ -2680,7 +2680,7 @@
           <a:p>
             <a:fld id="{4FCAE795-C102-421B-9570-402CB385BC70}" type="datetimeFigureOut">
               <a:rPr lang="nb-NO" smtClean="0"/>
-              <a:t>25.10.2021</a:t>
+              <a:t>28.10.2021</a:t>
             </a:fld>
             <a:endParaRPr lang="nb-NO"/>
           </a:p>
@@ -2921,7 +2921,7 @@
           <a:p>
             <a:fld id="{4FCAE795-C102-421B-9570-402CB385BC70}" type="datetimeFigureOut">
               <a:rPr lang="nb-NO" smtClean="0"/>
-              <a:t>25.10.2021</a:t>
+              <a:t>28.10.2021</a:t>
             </a:fld>
             <a:endParaRPr lang="nb-NO"/>
           </a:p>
@@ -5707,57 +5707,75 @@
       </p:grpSpPr>
       <p:pic>
         <p:nvPicPr>
-          <p:cNvPr id="2" name="Picture 2" descr="Interaction within MVC pattern The Model component correlates with all... |  Download Scientific Diagram">
-            <a:extLst>
-              <a:ext uri="{FF2B5EF4-FFF2-40B4-BE49-F238E27FC236}">
-                <a16:creationId xmlns:a16="http://schemas.microsoft.com/office/drawing/2014/main" id="{AF6D249E-5483-47D9-BF0B-D293B8E8308E}"/>
+          <p:cNvPr id="3" name="Bilde 2">
+            <a:extLst>
+              <a:ext uri="{FF2B5EF4-FFF2-40B4-BE49-F238E27FC236}">
+                <a16:creationId xmlns:a16="http://schemas.microsoft.com/office/drawing/2014/main" id="{5B43E5F3-0519-4B15-8B29-7D8DF8CCD337}"/>
               </a:ext>
             </a:extLst>
           </p:cNvPr>
           <p:cNvPicPr>
-            <a:picLocks noChangeAspect="1" noChangeArrowheads="1"/>
+            <a:picLocks noChangeAspect="1"/>
           </p:cNvPicPr>
           <p:nvPr/>
         </p:nvPicPr>
         <p:blipFill>
-          <a:blip r:embed="rId2">
-            <a:extLst>
-              <a:ext uri="{28A0092B-C50C-407E-A947-70E740481C1C}">
-                <a14:useLocalDpi xmlns:a14="http://schemas.microsoft.com/office/drawing/2010/main" val="0"/>
-              </a:ext>
-            </a:extLst>
-          </a:blip>
-          <a:srcRect/>
+          <a:blip r:embed="rId2"/>
           <a:stretch>
             <a:fillRect/>
           </a:stretch>
         </p:blipFill>
-        <p:spPr bwMode="auto">
-          <a:xfrm>
-            <a:off x="3257550" y="1700213"/>
-            <a:ext cx="5676900" cy="3457575"/>
+        <p:spPr>
+          <a:xfrm>
+            <a:off x="4785548" y="683491"/>
+            <a:ext cx="6440418" cy="5380181"/>
+          </a:xfrm>
+          <a:prstGeom prst="rect">
+            <a:avLst/>
+          </a:prstGeom>
+        </p:spPr>
+      </p:pic>
+      <p:sp>
+        <p:nvSpPr>
+          <p:cNvPr id="4" name="TekstSylinder 3">
+            <a:extLst>
+              <a:ext uri="{FF2B5EF4-FFF2-40B4-BE49-F238E27FC236}">
+                <a16:creationId xmlns:a16="http://schemas.microsoft.com/office/drawing/2014/main" id="{7199ECBB-725D-45AA-BBD2-97EB1A661939}"/>
+              </a:ext>
+            </a:extLst>
+          </p:cNvPr>
+          <p:cNvSpPr txBox="1"/>
+          <p:nvPr/>
+        </p:nvSpPr>
+        <p:spPr>
+          <a:xfrm>
+            <a:off x="573579" y="489008"/>
+            <a:ext cx="3034145" cy="584775"/>
           </a:xfrm>
           <a:prstGeom prst="rect">
             <a:avLst/>
           </a:prstGeom>
           <a:noFill/>
-          <a:extLst>
-            <a:ext uri="{909E8E84-426E-40DD-AFC4-6F175D3DCCD1}">
-              <a14:hiddenFill xmlns:a14="http://schemas.microsoft.com/office/drawing/2010/main">
-                <a:solidFill>
-                  <a:srgbClr val="FFFFFF"/>
-                </a:solidFill>
-              </a14:hiddenFill>
-            </a:ext>
-          </a:extLst>
-        </p:spPr>
-      </p:pic>
-      <p:sp>
-        <p:nvSpPr>
-          <p:cNvPr id="3" name="TekstSylinder 2">
-            <a:extLst>
-              <a:ext uri="{FF2B5EF4-FFF2-40B4-BE49-F238E27FC236}">
-                <a16:creationId xmlns:a16="http://schemas.microsoft.com/office/drawing/2014/main" id="{2126615A-C373-4CD6-A175-2DF2508FBF1B}"/>
+        </p:spPr>
+        <p:txBody>
+          <a:bodyPr wrap="square" rtlCol="0">
+            <a:spAutoFit/>
+          </a:bodyPr>
+          <a:lstStyle/>
+          <a:p>
+            <a:r>
+              <a:rPr lang="nb-NO" sz="3200" dirty="0"/>
+              <a:t>SOLID</a:t>
+            </a:r>
+          </a:p>
+        </p:txBody>
+      </p:sp>
+      <p:sp>
+        <p:nvSpPr>
+          <p:cNvPr id="5" name="TekstSylinder 4">
+            <a:extLst>
+              <a:ext uri="{FF2B5EF4-FFF2-40B4-BE49-F238E27FC236}">
+                <a16:creationId xmlns:a16="http://schemas.microsoft.com/office/drawing/2014/main" id="{1F33D7D8-2586-419D-BB43-CB55AE0E2D69}"/>
               </a:ext>
             </a:extLst>
           </p:cNvPr>
@@ -5766,8 +5784,8 @@
         </p:nvSpPr>
         <p:spPr>
           <a:xfrm>
-            <a:off x="573579" y="489008"/>
-            <a:ext cx="3034145" cy="584775"/>
+            <a:off x="400125" y="1447523"/>
+            <a:ext cx="3715788" cy="1477328"/>
           </a:xfrm>
           <a:prstGeom prst="rect">
             <a:avLst/>
@@ -5780,22 +5798,38 @@
           </a:bodyPr>
           <a:lstStyle/>
           <a:p>
-            <a:r>
-              <a:rPr lang="nb-NO" sz="3200" dirty="0"/>
-              <a:t>MVC </a:t>
-            </a:r>
-            <a:r>
-              <a:rPr lang="nb-NO" sz="3200" dirty="0" err="1"/>
-              <a:t>framework</a:t>
-            </a:r>
-            <a:endParaRPr lang="nb-NO" sz="3200" dirty="0"/>
+            <a:pPr marL="285750" indent="-285750">
+              <a:buFont typeface="Arial" panose="020B0604020202020204" pitchFamily="34" charset="0"/>
+              <a:buChar char="•"/>
+            </a:pPr>
+            <a:r>
+              <a:rPr lang="nb-NO" dirty="0"/>
+              <a:t>OOP forteller oss HVA vi kan programmere</a:t>
+            </a:r>
+          </a:p>
+          <a:p>
+            <a:pPr marL="285750" indent="-285750">
+              <a:buFont typeface="Arial" panose="020B0604020202020204" pitchFamily="34" charset="0"/>
+              <a:buChar char="•"/>
+            </a:pPr>
+            <a:endParaRPr lang="nb-NO" dirty="0"/>
+          </a:p>
+          <a:p>
+            <a:pPr marL="285750" indent="-285750">
+              <a:buFont typeface="Arial" panose="020B0604020202020204" pitchFamily="34" charset="0"/>
+              <a:buChar char="•"/>
+            </a:pPr>
+            <a:r>
+              <a:rPr lang="nb-NO" dirty="0"/>
+              <a:t>SOLID forteller oss HVORDAN vi skal programmere</a:t>
+            </a:r>
           </a:p>
         </p:txBody>
       </p:sp>
     </p:spTree>
     <p:extLst>
       <p:ext uri="{BB962C8B-B14F-4D97-AF65-F5344CB8AC3E}">
-        <p14:creationId xmlns:p14="http://schemas.microsoft.com/office/powerpoint/2010/main" val="3082518224"/>
+        <p14:creationId xmlns:p14="http://schemas.microsoft.com/office/powerpoint/2010/main" val="2745899966"/>
       </p:ext>
     </p:extLst>
   </p:cSld>
@@ -5822,10 +5856,97 @@
           <a:chExt cx="0" cy="0"/>
         </a:xfrm>
       </p:grpSpPr>
+      <p:pic>
+        <p:nvPicPr>
+          <p:cNvPr id="2" name="Picture 2" descr="Interaction within MVC pattern The Model component correlates with all... |  Download Scientific Diagram">
+            <a:extLst>
+              <a:ext uri="{FF2B5EF4-FFF2-40B4-BE49-F238E27FC236}">
+                <a16:creationId xmlns:a16="http://schemas.microsoft.com/office/drawing/2014/main" id="{AF6D249E-5483-47D9-BF0B-D293B8E8308E}"/>
+              </a:ext>
+            </a:extLst>
+          </p:cNvPr>
+          <p:cNvPicPr>
+            <a:picLocks noChangeAspect="1" noChangeArrowheads="1"/>
+          </p:cNvPicPr>
+          <p:nvPr/>
+        </p:nvPicPr>
+        <p:blipFill>
+          <a:blip r:embed="rId2">
+            <a:extLst>
+              <a:ext uri="{28A0092B-C50C-407E-A947-70E740481C1C}">
+                <a14:useLocalDpi xmlns:a14="http://schemas.microsoft.com/office/drawing/2010/main" val="0"/>
+              </a:ext>
+            </a:extLst>
+          </a:blip>
+          <a:srcRect/>
+          <a:stretch>
+            <a:fillRect/>
+          </a:stretch>
+        </p:blipFill>
+        <p:spPr bwMode="auto">
+          <a:xfrm>
+            <a:off x="3257550" y="1700213"/>
+            <a:ext cx="5676900" cy="3457575"/>
+          </a:xfrm>
+          <a:prstGeom prst="rect">
+            <a:avLst/>
+          </a:prstGeom>
+          <a:noFill/>
+          <a:extLst>
+            <a:ext uri="{909E8E84-426E-40DD-AFC4-6F175D3DCCD1}">
+              <a14:hiddenFill xmlns:a14="http://schemas.microsoft.com/office/drawing/2010/main">
+                <a:solidFill>
+                  <a:srgbClr val="FFFFFF"/>
+                </a:solidFill>
+              </a14:hiddenFill>
+            </a:ext>
+          </a:extLst>
+        </p:spPr>
+      </p:pic>
+      <p:sp>
+        <p:nvSpPr>
+          <p:cNvPr id="3" name="TekstSylinder 2">
+            <a:extLst>
+              <a:ext uri="{FF2B5EF4-FFF2-40B4-BE49-F238E27FC236}">
+                <a16:creationId xmlns:a16="http://schemas.microsoft.com/office/drawing/2014/main" id="{2126615A-C373-4CD6-A175-2DF2508FBF1B}"/>
+              </a:ext>
+            </a:extLst>
+          </p:cNvPr>
+          <p:cNvSpPr txBox="1"/>
+          <p:nvPr/>
+        </p:nvSpPr>
+        <p:spPr>
+          <a:xfrm>
+            <a:off x="573579" y="489008"/>
+            <a:ext cx="3034145" cy="584775"/>
+          </a:xfrm>
+          <a:prstGeom prst="rect">
+            <a:avLst/>
+          </a:prstGeom>
+          <a:noFill/>
+        </p:spPr>
+        <p:txBody>
+          <a:bodyPr wrap="square" rtlCol="0">
+            <a:spAutoFit/>
+          </a:bodyPr>
+          <a:lstStyle/>
+          <a:p>
+            <a:r>
+              <a:rPr lang="nb-NO" sz="3200" dirty="0"/>
+              <a:t>MVC </a:t>
+            </a:r>
+            <a:r>
+              <a:rPr lang="nb-NO" sz="3200" dirty="0" err="1"/>
+              <a:t>framework</a:t>
+            </a:r>
+            <a:endParaRPr lang="nb-NO" sz="3200" dirty="0"/>
+          </a:p>
+        </p:txBody>
+      </p:sp>
     </p:spTree>
     <p:extLst>
       <p:ext uri="{BB962C8B-B14F-4D97-AF65-F5344CB8AC3E}">
-        <p14:creationId xmlns:p14="http://schemas.microsoft.com/office/powerpoint/2010/main" val="2745899966"/>
+        <p14:creationId xmlns:p14="http://schemas.microsoft.com/office/powerpoint/2010/main" val="3082518224"/>
       </p:ext>
     </p:extLst>
   </p:cSld>
@@ -5852,6 +5973,139 @@
           <a:chExt cx="0" cy="0"/>
         </a:xfrm>
       </p:grpSpPr>
+      <p:sp>
+        <p:nvSpPr>
+          <p:cNvPr id="2" name="TekstSylinder 1">
+            <a:extLst>
+              <a:ext uri="{FF2B5EF4-FFF2-40B4-BE49-F238E27FC236}">
+                <a16:creationId xmlns:a16="http://schemas.microsoft.com/office/drawing/2014/main" id="{61C00649-351E-4ACE-9AD2-DFE94FEF6155}"/>
+              </a:ext>
+            </a:extLst>
+          </p:cNvPr>
+          <p:cNvSpPr txBox="1"/>
+          <p:nvPr/>
+        </p:nvSpPr>
+        <p:spPr>
+          <a:xfrm>
+            <a:off x="573579" y="489008"/>
+            <a:ext cx="3034145" cy="584775"/>
+          </a:xfrm>
+          <a:prstGeom prst="rect">
+            <a:avLst/>
+          </a:prstGeom>
+          <a:noFill/>
+        </p:spPr>
+        <p:txBody>
+          <a:bodyPr wrap="square" rtlCol="0">
+            <a:spAutoFit/>
+          </a:bodyPr>
+          <a:lstStyle/>
+          <a:p>
+            <a:r>
+              <a:rPr lang="nb-NO" sz="3200" dirty="0"/>
+              <a:t>MVC </a:t>
+            </a:r>
+            <a:r>
+              <a:rPr lang="nb-NO" sz="3200" dirty="0" err="1"/>
+              <a:t>framework</a:t>
+            </a:r>
+            <a:endParaRPr lang="nb-NO" sz="3200" dirty="0"/>
+          </a:p>
+        </p:txBody>
+      </p:sp>
+      <p:pic>
+        <p:nvPicPr>
+          <p:cNvPr id="4" name="Bilde 3">
+            <a:extLst>
+              <a:ext uri="{FF2B5EF4-FFF2-40B4-BE49-F238E27FC236}">
+                <a16:creationId xmlns:a16="http://schemas.microsoft.com/office/drawing/2014/main" id="{C5AB95F2-E7D0-42F8-ADD1-FB1B21B32571}"/>
+              </a:ext>
+            </a:extLst>
+          </p:cNvPr>
+          <p:cNvPicPr>
+            <a:picLocks noChangeAspect="1"/>
+          </p:cNvPicPr>
+          <p:nvPr/>
+        </p:nvPicPr>
+        <p:blipFill>
+          <a:blip r:embed="rId2"/>
+          <a:stretch>
+            <a:fillRect/>
+          </a:stretch>
+        </p:blipFill>
+        <p:spPr>
+          <a:xfrm>
+            <a:off x="5930517" y="1016000"/>
+            <a:ext cx="6133375" cy="4211781"/>
+          </a:xfrm>
+          <a:prstGeom prst="rect">
+            <a:avLst/>
+          </a:prstGeom>
+        </p:spPr>
+      </p:pic>
+      <p:sp>
+        <p:nvSpPr>
+          <p:cNvPr id="5" name="TekstSylinder 4">
+            <a:extLst>
+              <a:ext uri="{FF2B5EF4-FFF2-40B4-BE49-F238E27FC236}">
+                <a16:creationId xmlns:a16="http://schemas.microsoft.com/office/drawing/2014/main" id="{52620796-F07D-4C0A-87D1-860AF117093C}"/>
+              </a:ext>
+            </a:extLst>
+          </p:cNvPr>
+          <p:cNvSpPr txBox="1"/>
+          <p:nvPr/>
+        </p:nvSpPr>
+        <p:spPr>
+          <a:xfrm>
+            <a:off x="400125" y="1248941"/>
+            <a:ext cx="5261766" cy="523220"/>
+          </a:xfrm>
+          <a:prstGeom prst="rect">
+            <a:avLst/>
+          </a:prstGeom>
+          <a:noFill/>
+        </p:spPr>
+        <p:txBody>
+          <a:bodyPr wrap="square" rtlCol="0">
+            <a:spAutoFit/>
+          </a:bodyPr>
+          <a:lstStyle/>
+          <a:p>
+            <a:pPr marL="342900" indent="-342900">
+              <a:buFont typeface="+mj-lt"/>
+              <a:buAutoNum type="arabicPeriod"/>
+            </a:pPr>
+            <a:r>
+              <a:rPr lang="nb-NO" sz="1400" dirty="0"/>
+              <a:t>En bruker sender en HTTP-</a:t>
+            </a:r>
+            <a:r>
+              <a:rPr lang="nb-NO" sz="1400" dirty="0" err="1"/>
+              <a:t>request</a:t>
+            </a:r>
+            <a:r>
+              <a:rPr lang="nb-NO" sz="1400" dirty="0"/>
+              <a:t> til web serveren, som ruter </a:t>
+            </a:r>
+            <a:r>
+              <a:rPr lang="nb-NO" sz="1400" dirty="0" err="1"/>
+              <a:t>requesten</a:t>
+            </a:r>
+            <a:r>
+              <a:rPr lang="nb-NO" sz="1400" dirty="0"/>
+              <a:t> til </a:t>
+            </a:r>
+            <a:r>
+              <a:rPr lang="nb-NO" sz="1400" dirty="0" err="1"/>
+              <a:t>index.php</a:t>
+            </a:r>
+            <a:r>
+              <a:rPr lang="nb-NO" sz="1400" dirty="0"/>
+              <a:t>.</a:t>
+            </a:r>
+          </a:p>
+        </p:txBody>
+      </p:sp>
     </p:spTree>
     <p:extLst>
       <p:ext uri="{BB962C8B-B14F-4D97-AF65-F5344CB8AC3E}">

--- a/docs/concepts.pptx
+++ b/docs/concepts.pptx
@@ -14,10 +14,11 @@
     <p:sldId id="257" r:id="rId8"/>
     <p:sldId id="259" r:id="rId9"/>
     <p:sldId id="260" r:id="rId10"/>
-    <p:sldId id="261" r:id="rId11"/>
-    <p:sldId id="262" r:id="rId12"/>
-    <p:sldId id="263" r:id="rId13"/>
-    <p:sldId id="264" r:id="rId14"/>
+    <p:sldId id="269" r:id="rId11"/>
+    <p:sldId id="261" r:id="rId12"/>
+    <p:sldId id="262" r:id="rId13"/>
+    <p:sldId id="263" r:id="rId14"/>
+    <p:sldId id="264" r:id="rId15"/>
   </p:sldIdLst>
   <p:sldSz cx="12192000" cy="6858000"/>
   <p:notesSz cx="6858000" cy="9144000"/>
@@ -3398,10 +3399,381 @@
           <a:chExt cx="0" cy="0"/>
         </a:xfrm>
       </p:grpSpPr>
+      <p:sp>
+        <p:nvSpPr>
+          <p:cNvPr id="2" name="TekstSylinder 1">
+            <a:extLst>
+              <a:ext uri="{FF2B5EF4-FFF2-40B4-BE49-F238E27FC236}">
+                <a16:creationId xmlns:a16="http://schemas.microsoft.com/office/drawing/2014/main" id="{DAE4795A-F948-4235-9FE4-2DFC17B7BBE0}"/>
+              </a:ext>
+            </a:extLst>
+          </p:cNvPr>
+          <p:cNvSpPr txBox="1"/>
+          <p:nvPr/>
+        </p:nvSpPr>
+        <p:spPr>
+          <a:xfrm>
+            <a:off x="573579" y="489008"/>
+            <a:ext cx="3034145" cy="584775"/>
+          </a:xfrm>
+          <a:prstGeom prst="rect">
+            <a:avLst/>
+          </a:prstGeom>
+          <a:noFill/>
+        </p:spPr>
+        <p:txBody>
+          <a:bodyPr wrap="square" rtlCol="0">
+            <a:spAutoFit/>
+          </a:bodyPr>
+          <a:lstStyle/>
+          <a:p>
+            <a:r>
+              <a:rPr lang="nb-NO" sz="3200" dirty="0"/>
+              <a:t>1. steg</a:t>
+            </a:r>
+          </a:p>
+        </p:txBody>
+      </p:sp>
+      <p:sp>
+        <p:nvSpPr>
+          <p:cNvPr id="3" name="TekstSylinder 2">
+            <a:extLst>
+              <a:ext uri="{FF2B5EF4-FFF2-40B4-BE49-F238E27FC236}">
+                <a16:creationId xmlns:a16="http://schemas.microsoft.com/office/drawing/2014/main" id="{EF714A65-63BD-4001-8D8A-28890FB2E7BB}"/>
+              </a:ext>
+            </a:extLst>
+          </p:cNvPr>
+          <p:cNvSpPr txBox="1"/>
+          <p:nvPr/>
+        </p:nvSpPr>
+        <p:spPr>
+          <a:xfrm>
+            <a:off x="918556" y="1410784"/>
+            <a:ext cx="6400725" cy="4862870"/>
+          </a:xfrm>
+          <a:prstGeom prst="rect">
+            <a:avLst/>
+          </a:prstGeom>
+          <a:noFill/>
+        </p:spPr>
+        <p:txBody>
+          <a:bodyPr wrap="square" rtlCol="0">
+            <a:spAutoFit/>
+          </a:bodyPr>
+          <a:lstStyle/>
+          <a:p>
+            <a:pPr marL="285750" indent="-285750">
+              <a:buFont typeface="Arial" panose="020B0604020202020204" pitchFamily="34" charset="0"/>
+              <a:buChar char="•"/>
+            </a:pPr>
+            <a:r>
+              <a:rPr lang="nb-NO" sz="1600" dirty="0">
+                <a:solidFill>
+                  <a:srgbClr val="FF0000"/>
+                </a:solidFill>
+              </a:rPr>
+              <a:t>Lag Application Class</a:t>
+            </a:r>
+          </a:p>
+          <a:p>
+            <a:pPr marL="742950" lvl="1" indent="-285750">
+              <a:buFont typeface="Arial" panose="020B0604020202020204" pitchFamily="34" charset="0"/>
+              <a:buChar char="•"/>
+            </a:pPr>
+            <a:r>
+              <a:rPr lang="nb-NO" sz="1600" dirty="0">
+                <a:solidFill>
+                  <a:srgbClr val="FF0000"/>
+                </a:solidFill>
+              </a:rPr>
+              <a:t>En metode som heter run() som kalles, som starter prosessen.</a:t>
+            </a:r>
+          </a:p>
+          <a:p>
+            <a:pPr marL="285750" indent="-285750">
+              <a:buFont typeface="Arial" panose="020B0604020202020204" pitchFamily="34" charset="0"/>
+              <a:buChar char="•"/>
+            </a:pPr>
+            <a:r>
+              <a:rPr lang="nb-NO" sz="1600" dirty="0">
+                <a:solidFill>
+                  <a:srgbClr val="FF0000"/>
+                </a:solidFill>
+              </a:rPr>
+              <a:t>Lag en </a:t>
+            </a:r>
+            <a:r>
+              <a:rPr lang="nb-NO" sz="1600" dirty="0" err="1">
+                <a:solidFill>
+                  <a:srgbClr val="FF0000"/>
+                </a:solidFill>
+              </a:rPr>
+              <a:t>Router</a:t>
+            </a:r>
+            <a:r>
+              <a:rPr lang="nb-NO" sz="1600" dirty="0">
+                <a:solidFill>
+                  <a:srgbClr val="FF0000"/>
+                </a:solidFill>
+              </a:rPr>
+              <a:t> Class</a:t>
+            </a:r>
+          </a:p>
+          <a:p>
+            <a:pPr marL="742950" lvl="1" indent="-285750">
+              <a:buFont typeface="Arial" panose="020B0604020202020204" pitchFamily="34" charset="0"/>
+              <a:buChar char="•"/>
+            </a:pPr>
+            <a:endParaRPr lang="nb-NO" sz="1600" dirty="0"/>
+          </a:p>
+          <a:p>
+            <a:pPr marL="742950" lvl="1" indent="-285750">
+              <a:buFont typeface="Arial" panose="020B0604020202020204" pitchFamily="34" charset="0"/>
+              <a:buChar char="•"/>
+            </a:pPr>
+            <a:endParaRPr lang="nb-NO" sz="1600" dirty="0"/>
+          </a:p>
+          <a:p>
+            <a:pPr marL="285750" indent="-285750">
+              <a:buFont typeface="Arial" panose="020B0604020202020204" pitchFamily="34" charset="0"/>
+              <a:buChar char="•"/>
+            </a:pPr>
+            <a:r>
+              <a:rPr lang="nb-NO" sz="1600" dirty="0">
+                <a:solidFill>
+                  <a:srgbClr val="002060"/>
+                </a:solidFill>
+              </a:rPr>
+              <a:t>Lag to ruter:</a:t>
+            </a:r>
+          </a:p>
+          <a:p>
+            <a:pPr marL="742950" lvl="1" indent="-285750">
+              <a:buFont typeface="Arial" panose="020B0604020202020204" pitchFamily="34" charset="0"/>
+              <a:buChar char="•"/>
+            </a:pPr>
+            <a:r>
+              <a:rPr lang="nb-NO" sz="1600" dirty="0">
+                <a:solidFill>
+                  <a:srgbClr val="002060"/>
+                </a:solidFill>
+              </a:rPr>
+              <a:t>/ </a:t>
+            </a:r>
+          </a:p>
+          <a:p>
+            <a:pPr marL="742950" lvl="1" indent="-285750">
+              <a:buFont typeface="Arial" panose="020B0604020202020204" pitchFamily="34" charset="0"/>
+              <a:buChar char="•"/>
+            </a:pPr>
+            <a:r>
+              <a:rPr lang="nb-NO" sz="1600" dirty="0" err="1">
+                <a:solidFill>
+                  <a:srgbClr val="002060"/>
+                </a:solidFill>
+              </a:rPr>
+              <a:t>About</a:t>
+            </a:r>
+            <a:endParaRPr lang="nb-NO" sz="1600" dirty="0">
+              <a:solidFill>
+                <a:srgbClr val="002060"/>
+              </a:solidFill>
+            </a:endParaRPr>
+          </a:p>
+          <a:p>
+            <a:pPr marL="285750" indent="-285750">
+              <a:buFont typeface="Arial" panose="020B0604020202020204" pitchFamily="34" charset="0"/>
+              <a:buChar char="•"/>
+            </a:pPr>
+            <a:r>
+              <a:rPr lang="nb-NO" sz="1600" dirty="0" err="1">
+                <a:solidFill>
+                  <a:srgbClr val="002060"/>
+                </a:solidFill>
+              </a:rPr>
+              <a:t>Echo</a:t>
+            </a:r>
+            <a:r>
+              <a:rPr lang="nb-NO" sz="1600" dirty="0">
+                <a:solidFill>
+                  <a:srgbClr val="002060"/>
+                </a:solidFill>
+              </a:rPr>
+              <a:t> tilbake </a:t>
+            </a:r>
+          </a:p>
+          <a:p>
+            <a:pPr marL="742950" lvl="1" indent="-285750">
+              <a:buFont typeface="Arial" panose="020B0604020202020204" pitchFamily="34" charset="0"/>
+              <a:buChar char="•"/>
+            </a:pPr>
+            <a:r>
+              <a:rPr lang="nb-NO" sz="1600" dirty="0">
+                <a:solidFill>
+                  <a:srgbClr val="002060"/>
+                </a:solidFill>
+              </a:rPr>
+              <a:t>«Hei Hjem»</a:t>
+            </a:r>
+          </a:p>
+          <a:p>
+            <a:pPr marL="742950" lvl="1" indent="-285750">
+              <a:buFont typeface="Arial" panose="020B0604020202020204" pitchFamily="34" charset="0"/>
+              <a:buChar char="•"/>
+            </a:pPr>
+            <a:r>
+              <a:rPr lang="nb-NO" sz="1600" dirty="0">
+                <a:solidFill>
+                  <a:srgbClr val="002060"/>
+                </a:solidFill>
+              </a:rPr>
+              <a:t>«Hei </a:t>
+            </a:r>
+            <a:r>
+              <a:rPr lang="nb-NO" sz="1600" dirty="0" err="1">
+                <a:solidFill>
+                  <a:srgbClr val="002060"/>
+                </a:solidFill>
+              </a:rPr>
+              <a:t>About</a:t>
+            </a:r>
+            <a:r>
+              <a:rPr lang="nb-NO" sz="1600" dirty="0">
+                <a:solidFill>
+                  <a:srgbClr val="002060"/>
+                </a:solidFill>
+              </a:rPr>
+              <a:t>»</a:t>
+            </a:r>
+          </a:p>
+          <a:p>
+            <a:pPr marL="285750" indent="-285750">
+              <a:buFont typeface="Arial" panose="020B0604020202020204" pitchFamily="34" charset="0"/>
+              <a:buChar char="•"/>
+            </a:pPr>
+            <a:r>
+              <a:rPr lang="nb-NO" sz="1600" dirty="0" err="1">
+                <a:solidFill>
+                  <a:srgbClr val="002060"/>
+                </a:solidFill>
+              </a:rPr>
+              <a:t>Echo</a:t>
+            </a:r>
+            <a:r>
+              <a:rPr lang="nb-NO" sz="1600" dirty="0">
+                <a:solidFill>
+                  <a:srgbClr val="002060"/>
+                </a:solidFill>
+              </a:rPr>
+              <a:t> andre ruter </a:t>
+            </a:r>
+          </a:p>
+          <a:p>
+            <a:pPr marL="742950" lvl="1" indent="-285750">
+              <a:buFont typeface="Arial" panose="020B0604020202020204" pitchFamily="34" charset="0"/>
+              <a:buChar char="•"/>
+            </a:pPr>
+            <a:r>
+              <a:rPr lang="nb-NO" sz="1600" dirty="0">
+                <a:solidFill>
+                  <a:srgbClr val="002060"/>
+                </a:solidFill>
+              </a:rPr>
+              <a:t>«Not </a:t>
+            </a:r>
+            <a:r>
+              <a:rPr lang="nb-NO" sz="1600" dirty="0" err="1">
+                <a:solidFill>
+                  <a:srgbClr val="002060"/>
+                </a:solidFill>
+              </a:rPr>
+              <a:t>found</a:t>
+            </a:r>
+            <a:r>
+              <a:rPr lang="nb-NO" sz="1600" dirty="0">
+                <a:solidFill>
+                  <a:srgbClr val="002060"/>
+                </a:solidFill>
+              </a:rPr>
+              <a:t>»</a:t>
+            </a:r>
+          </a:p>
+          <a:p>
+            <a:pPr marL="285750" indent="-285750">
+              <a:buFont typeface="Arial" panose="020B0604020202020204" pitchFamily="34" charset="0"/>
+              <a:buChar char="•"/>
+            </a:pPr>
+            <a:endParaRPr lang="nb-NO" sz="1600" dirty="0"/>
+          </a:p>
+          <a:p>
+            <a:pPr marL="285750" indent="-285750">
+              <a:buFont typeface="Arial" panose="020B0604020202020204" pitchFamily="34" charset="0"/>
+              <a:buChar char="•"/>
+            </a:pPr>
+            <a:r>
+              <a:rPr lang="nb-NO" sz="1600" dirty="0"/>
+              <a:t>HINT: URL : </a:t>
+            </a:r>
+            <a:r>
+              <a:rPr lang="nb-NO" sz="1600" dirty="0" err="1"/>
+              <a:t>php</a:t>
+            </a:r>
+            <a:r>
+              <a:rPr lang="nb-NO" sz="1600" dirty="0"/>
+              <a:t> </a:t>
+            </a:r>
+            <a:r>
+              <a:rPr lang="nb-NO" sz="1600" dirty="0" err="1"/>
+              <a:t>superglobals</a:t>
+            </a:r>
+            <a:endParaRPr lang="nb-NO" sz="1600" dirty="0"/>
+          </a:p>
+          <a:p>
+            <a:pPr marL="742950" lvl="1" indent="-285750">
+              <a:buFont typeface="Arial" panose="020B0604020202020204" pitchFamily="34" charset="0"/>
+              <a:buChar char="•"/>
+            </a:pPr>
+            <a:r>
+              <a:rPr lang="nb-NO" sz="1600" dirty="0"/>
+              <a:t>__SERVER</a:t>
+            </a:r>
+          </a:p>
+          <a:p>
+            <a:pPr marL="742950" lvl="1" indent="-285750">
+              <a:buFont typeface="Arial" panose="020B0604020202020204" pitchFamily="34" charset="0"/>
+              <a:buChar char="•"/>
+            </a:pPr>
+            <a:r>
+              <a:rPr lang="nb-NO" sz="1600" dirty="0"/>
+              <a:t>__GET</a:t>
+            </a:r>
+          </a:p>
+          <a:p>
+            <a:pPr marL="742950" lvl="1" indent="-285750">
+              <a:buFont typeface="Arial" panose="020B0604020202020204" pitchFamily="34" charset="0"/>
+              <a:buChar char="•"/>
+            </a:pPr>
+            <a:r>
+              <a:rPr lang="nb-NO" sz="1600" dirty="0"/>
+              <a:t>__POST</a:t>
+            </a:r>
+          </a:p>
+          <a:p>
+            <a:pPr marL="742950" lvl="1" indent="-285750">
+              <a:buFont typeface="Arial" panose="020B0604020202020204" pitchFamily="34" charset="0"/>
+              <a:buChar char="•"/>
+            </a:pPr>
+            <a:r>
+              <a:rPr lang="nb-NO" sz="1600" dirty="0"/>
+              <a:t>…</a:t>
+            </a:r>
+          </a:p>
+        </p:txBody>
+      </p:sp>
     </p:spTree>
     <p:extLst>
       <p:ext uri="{BB962C8B-B14F-4D97-AF65-F5344CB8AC3E}">
-        <p14:creationId xmlns:p14="http://schemas.microsoft.com/office/powerpoint/2010/main" val="2070493056"/>
+        <p14:creationId xmlns:p14="http://schemas.microsoft.com/office/powerpoint/2010/main" val="3162985257"/>
       </p:ext>
     </p:extLst>
   </p:cSld>
@@ -3431,7 +3803,7 @@
     </p:spTree>
     <p:extLst>
       <p:ext uri="{BB962C8B-B14F-4D97-AF65-F5344CB8AC3E}">
-        <p14:creationId xmlns:p14="http://schemas.microsoft.com/office/powerpoint/2010/main" val="2154207595"/>
+        <p14:creationId xmlns:p14="http://schemas.microsoft.com/office/powerpoint/2010/main" val="2070493056"/>
       </p:ext>
     </p:extLst>
   </p:cSld>
@@ -3461,6 +3833,36 @@
     </p:spTree>
     <p:extLst>
       <p:ext uri="{BB962C8B-B14F-4D97-AF65-F5344CB8AC3E}">
+        <p14:creationId xmlns:p14="http://schemas.microsoft.com/office/powerpoint/2010/main" val="2154207595"/>
+      </p:ext>
+    </p:extLst>
+  </p:cSld>
+  <p:clrMapOvr>
+    <a:masterClrMapping/>
+  </p:clrMapOvr>
+</p:sld>
+</file>
+
+<file path=ppt/slides/slide13.xml><?xml version="1.0" encoding="utf-8"?>
+<p:sld xmlns:a="http://schemas.openxmlformats.org/drawingml/2006/main" xmlns:r="http://schemas.openxmlformats.org/officeDocument/2006/relationships" xmlns:p="http://schemas.openxmlformats.org/presentationml/2006/main">
+  <p:cSld>
+    <p:spTree>
+      <p:nvGrpSpPr>
+        <p:cNvPr id="1" name=""/>
+        <p:cNvGrpSpPr/>
+        <p:nvPr/>
+      </p:nvGrpSpPr>
+      <p:grpSpPr>
+        <a:xfrm>
+          <a:off x="0" y="0"/>
+          <a:ext cx="0" cy="0"/>
+          <a:chOff x="0" y="0"/>
+          <a:chExt cx="0" cy="0"/>
+        </a:xfrm>
+      </p:grpSpPr>
+    </p:spTree>
+    <p:extLst>
+      <p:ext uri="{BB962C8B-B14F-4D97-AF65-F5344CB8AC3E}">
         <p14:creationId xmlns:p14="http://schemas.microsoft.com/office/powerpoint/2010/main" val="2204612507"/>
       </p:ext>
     </p:extLst>
@@ -3471,7 +3873,7 @@
 </p:sld>
 </file>
 
-<file path=ppt/slides/slide13.xml><?xml version="1.0" encoding="utf-8"?>
+<file path=ppt/slides/slide14.xml><?xml version="1.0" encoding="utf-8"?>
 <p:sld xmlns:a="http://schemas.openxmlformats.org/drawingml/2006/main" xmlns:r="http://schemas.openxmlformats.org/officeDocument/2006/relationships" xmlns:p="http://schemas.openxmlformats.org/presentationml/2006/main">
   <p:cSld>
     <p:spTree>
@@ -6058,7 +6460,7 @@
         <p:spPr>
           <a:xfrm>
             <a:off x="400125" y="1248941"/>
-            <a:ext cx="5261766" cy="523220"/>
+            <a:ext cx="5261766" cy="4893647"/>
           </a:xfrm>
           <a:prstGeom prst="rect">
             <a:avLst/>
@@ -6076,33 +6478,445 @@
               <a:buAutoNum type="arabicPeriod"/>
             </a:pPr>
             <a:r>
-              <a:rPr lang="nb-NO" sz="1400" dirty="0"/>
+              <a:rPr lang="nb-NO" sz="1200" dirty="0"/>
               <a:t>En bruker sender en HTTP-</a:t>
             </a:r>
             <a:r>
-              <a:rPr lang="nb-NO" sz="1400" dirty="0" err="1"/>
+              <a:rPr lang="nb-NO" sz="1200" dirty="0" err="1"/>
               <a:t>request</a:t>
             </a:r>
             <a:r>
-              <a:rPr lang="nb-NO" sz="1400" dirty="0"/>
+              <a:rPr lang="nb-NO" sz="1200" dirty="0"/>
               <a:t> til web serveren, som ruter </a:t>
             </a:r>
             <a:r>
-              <a:rPr lang="nb-NO" sz="1400" dirty="0" err="1"/>
+              <a:rPr lang="nb-NO" sz="1200" dirty="0" err="1"/>
               <a:t>requesten</a:t>
             </a:r>
             <a:r>
-              <a:rPr lang="nb-NO" sz="1400" dirty="0"/>
+              <a:rPr lang="nb-NO" sz="1200" dirty="0"/>
               <a:t> til </a:t>
             </a:r>
             <a:r>
-              <a:rPr lang="nb-NO" sz="1400" dirty="0" err="1"/>
+              <a:rPr lang="nb-NO" sz="1200" dirty="0" err="1"/>
               <a:t>index.php</a:t>
             </a:r>
             <a:r>
-              <a:rPr lang="nb-NO" sz="1400" dirty="0"/>
+              <a:rPr lang="nb-NO" sz="1200" dirty="0"/>
               <a:t>.</a:t>
             </a:r>
+          </a:p>
+          <a:p>
+            <a:pPr marL="342900" indent="-342900">
+              <a:buFont typeface="+mj-lt"/>
+              <a:buAutoNum type="arabicPeriod"/>
+            </a:pPr>
+            <a:r>
+              <a:rPr lang="nb-NO" sz="1200" dirty="0" err="1"/>
+              <a:t>Load</a:t>
+            </a:r>
+            <a:r>
+              <a:rPr lang="nb-NO" sz="1200" dirty="0"/>
+              <a:t> app </a:t>
+            </a:r>
+            <a:r>
+              <a:rPr lang="nb-NO" sz="1200" dirty="0" err="1"/>
+              <a:t>config</a:t>
+            </a:r>
+            <a:r>
+              <a:rPr lang="nb-NO" sz="1200" dirty="0"/>
+              <a:t> og lag et </a:t>
+            </a:r>
+            <a:r>
+              <a:rPr lang="nb-NO" sz="1200" dirty="0" err="1"/>
+              <a:t>application</a:t>
+            </a:r>
+            <a:r>
+              <a:rPr lang="nb-NO" sz="1200" dirty="0"/>
+              <a:t> </a:t>
+            </a:r>
+            <a:r>
+              <a:rPr lang="nb-NO" sz="1200" dirty="0" err="1"/>
+              <a:t>object</a:t>
+            </a:r>
+            <a:endParaRPr lang="nb-NO" sz="1200" dirty="0"/>
+          </a:p>
+          <a:p>
+            <a:pPr marL="342900" indent="-342900">
+              <a:buFont typeface="+mj-lt"/>
+              <a:buAutoNum type="arabicPeriod"/>
+            </a:pPr>
+            <a:r>
+              <a:rPr lang="nb-NO" sz="1200" dirty="0"/>
+              <a:t>Les URL og </a:t>
+            </a:r>
+            <a:r>
+              <a:rPr lang="nb-NO" sz="1200" dirty="0" err="1"/>
+              <a:t>Resolve</a:t>
+            </a:r>
+            <a:r>
+              <a:rPr lang="nb-NO" sz="1200" dirty="0"/>
+              <a:t> hvilken </a:t>
+            </a:r>
+            <a:r>
+              <a:rPr lang="nb-NO" sz="1200" dirty="0" err="1"/>
+              <a:t>controller</a:t>
+            </a:r>
+            <a:r>
+              <a:rPr lang="nb-NO" sz="1200" dirty="0"/>
+              <a:t> vi skal </a:t>
+            </a:r>
+            <a:r>
+              <a:rPr lang="nb-NO" sz="1200" dirty="0" err="1"/>
+              <a:t>instansiere</a:t>
+            </a:r>
+            <a:r>
+              <a:rPr lang="nb-NO" sz="1200" dirty="0"/>
+              <a:t>, hvis </a:t>
+            </a:r>
+            <a:r>
+              <a:rPr lang="nb-NO" sz="1200" dirty="0" err="1"/>
+              <a:t>Resolve</a:t>
+            </a:r>
+            <a:r>
+              <a:rPr lang="nb-NO" sz="1200" dirty="0"/>
+              <a:t> IKKE gir en registrert </a:t>
+            </a:r>
+            <a:r>
+              <a:rPr lang="nb-NO" sz="1200" dirty="0" err="1"/>
+              <a:t>controller</a:t>
+            </a:r>
+            <a:r>
+              <a:rPr lang="nb-NO" sz="1200" dirty="0"/>
+              <a:t>, send tilbake 404, Not </a:t>
+            </a:r>
+            <a:r>
+              <a:rPr lang="nb-NO" sz="1200" dirty="0" err="1"/>
+              <a:t>Found</a:t>
+            </a:r>
+            <a:r>
+              <a:rPr lang="nb-NO" sz="1200" dirty="0"/>
+              <a:t>.</a:t>
+            </a:r>
+          </a:p>
+          <a:p>
+            <a:pPr marL="800100" lvl="1" indent="-342900">
+              <a:buFont typeface="+mj-lt"/>
+              <a:buAutoNum type="arabicPeriod"/>
+            </a:pPr>
+            <a:r>
+              <a:rPr lang="nb-NO" sz="1200" dirty="0"/>
+              <a:t>Skal kunne registrere så mange URL som du vil</a:t>
+            </a:r>
+          </a:p>
+          <a:p>
+            <a:pPr marL="1257300" lvl="2" indent="-342900">
+              <a:buFont typeface="+mj-lt"/>
+              <a:buAutoNum type="arabicPeriod"/>
+            </a:pPr>
+            <a:r>
+              <a:rPr lang="nb-NO" sz="1200" dirty="0"/>
+              <a:t>Home, Hvilken Controller skal kalles, </a:t>
+            </a:r>
+            <a:r>
+              <a:rPr lang="nb-NO" sz="1200" dirty="0" err="1"/>
+              <a:t>evt.parametere</a:t>
+            </a:r>
+            <a:endParaRPr lang="nb-NO" sz="1200" dirty="0"/>
+          </a:p>
+          <a:p>
+            <a:pPr marL="1257300" lvl="2" indent="-342900">
+              <a:buFont typeface="+mj-lt"/>
+              <a:buAutoNum type="arabicPeriod"/>
+            </a:pPr>
+            <a:r>
+              <a:rPr lang="nb-NO" sz="1200" dirty="0" err="1"/>
+              <a:t>About</a:t>
+            </a:r>
+            <a:endParaRPr lang="nb-NO" sz="1200" dirty="0"/>
+          </a:p>
+          <a:p>
+            <a:pPr marL="1257300" lvl="2" indent="-342900">
+              <a:buFont typeface="+mj-lt"/>
+              <a:buAutoNum type="arabicPeriod"/>
+            </a:pPr>
+            <a:r>
+              <a:rPr lang="nb-NO" sz="1200" dirty="0" err="1"/>
+              <a:t>Etc</a:t>
+            </a:r>
+            <a:endParaRPr lang="nb-NO" sz="1200" dirty="0"/>
+          </a:p>
+          <a:p>
+            <a:pPr marL="342900" indent="-342900">
+              <a:buFont typeface="+mj-lt"/>
+              <a:buAutoNum type="arabicPeriod"/>
+            </a:pPr>
+            <a:r>
+              <a:rPr lang="nb-NO" sz="1200" dirty="0"/>
+              <a:t>Dersom vi har skrevet en registrert rute, lag tilsvarende Controller og tilsvarende metode på </a:t>
+            </a:r>
+            <a:r>
+              <a:rPr lang="nb-NO" sz="1200" dirty="0" err="1"/>
+              <a:t>controlleren</a:t>
+            </a:r>
+            <a:r>
+              <a:rPr lang="nb-NO" sz="1200" dirty="0"/>
+              <a:t>.</a:t>
+            </a:r>
+          </a:p>
+          <a:p>
+            <a:pPr marL="342900" indent="-342900">
+              <a:buFont typeface="+mj-lt"/>
+              <a:buAutoNum type="arabicPeriod"/>
+            </a:pPr>
+            <a:r>
+              <a:rPr lang="nb-NO" sz="1200" dirty="0"/>
+              <a:t>Controller kaller en Action (metode på </a:t>
+            </a:r>
+            <a:r>
+              <a:rPr lang="nb-NO" sz="1200" dirty="0" err="1"/>
+              <a:t>controlleren</a:t>
+            </a:r>
+            <a:r>
+              <a:rPr lang="nb-NO" sz="1200" dirty="0"/>
+              <a:t>), som første kjører et sett med registrerte Filtre (Filters)</a:t>
+            </a:r>
+          </a:p>
+          <a:p>
+            <a:pPr marL="800100" lvl="1" indent="-342900">
+              <a:buFont typeface="+mj-lt"/>
+              <a:buAutoNum type="arabicPeriod"/>
+            </a:pPr>
+            <a:r>
+              <a:rPr lang="nb-NO" sz="1200" dirty="0" err="1"/>
+              <a:t>Cache</a:t>
+            </a:r>
+            <a:endParaRPr lang="nb-NO" sz="1200" dirty="0"/>
+          </a:p>
+          <a:p>
+            <a:pPr marL="800100" lvl="1" indent="-342900">
+              <a:buFont typeface="+mj-lt"/>
+              <a:buAutoNum type="arabicPeriod"/>
+            </a:pPr>
+            <a:r>
+              <a:rPr lang="nb-NO" sz="1200" dirty="0" err="1"/>
+              <a:t>Validation</a:t>
+            </a:r>
+            <a:endParaRPr lang="nb-NO" sz="1200" dirty="0"/>
+          </a:p>
+          <a:p>
+            <a:pPr marL="1257300" lvl="2" indent="-342900">
+              <a:buFont typeface="+mj-lt"/>
+              <a:buAutoNum type="arabicPeriod"/>
+            </a:pPr>
+            <a:r>
+              <a:rPr lang="nb-NO" sz="1200" dirty="0"/>
+              <a:t>Regler (email, passord </a:t>
+            </a:r>
+            <a:r>
+              <a:rPr lang="nb-NO" sz="1200" dirty="0" err="1"/>
+              <a:t>etc</a:t>
+            </a:r>
+            <a:r>
+              <a:rPr lang="nb-NO" sz="1200" dirty="0"/>
+              <a:t> komplekse)</a:t>
+            </a:r>
+          </a:p>
+          <a:p>
+            <a:pPr marL="800100" lvl="1" indent="-342900">
+              <a:buFont typeface="+mj-lt"/>
+              <a:buAutoNum type="arabicPeriod"/>
+            </a:pPr>
+            <a:r>
+              <a:rPr lang="nb-NO" sz="1200" dirty="0" err="1"/>
+              <a:t>Authentication</a:t>
+            </a:r>
+            <a:r>
+              <a:rPr lang="nb-NO" sz="1200" dirty="0"/>
+              <a:t>/</a:t>
+            </a:r>
+            <a:r>
+              <a:rPr lang="nb-NO" sz="1200" dirty="0" err="1"/>
+              <a:t>Authorization</a:t>
+            </a:r>
+            <a:endParaRPr lang="nb-NO" sz="1200" dirty="0"/>
+          </a:p>
+          <a:p>
+            <a:pPr marL="342900" indent="-342900">
+              <a:buFont typeface="+mj-lt"/>
+              <a:buAutoNum type="arabicPeriod"/>
+            </a:pPr>
+            <a:r>
+              <a:rPr lang="nb-NO" sz="1200" dirty="0"/>
+              <a:t>Hvis filter feiler, send </a:t>
+            </a:r>
+            <a:r>
+              <a:rPr lang="nb-NO" sz="1200" dirty="0" err="1"/>
+              <a:t>response</a:t>
+            </a:r>
+            <a:r>
+              <a:rPr lang="nb-NO" sz="1200" dirty="0"/>
+              <a:t> til bake med feilmelding (kan også være </a:t>
+            </a:r>
+            <a:r>
+              <a:rPr lang="nb-NO" sz="1200" dirty="0" err="1"/>
+              <a:t>cache</a:t>
+            </a:r>
+            <a:r>
+              <a:rPr lang="nb-NO" sz="1200" dirty="0"/>
+              <a:t> ved </a:t>
+            </a:r>
+            <a:r>
+              <a:rPr lang="nb-NO" sz="1200" dirty="0" err="1"/>
+              <a:t>webapier</a:t>
+            </a:r>
+            <a:r>
+              <a:rPr lang="nb-NO" sz="1200" dirty="0"/>
+              <a:t>, REDIS)</a:t>
+            </a:r>
+          </a:p>
+          <a:p>
+            <a:pPr marL="342900" indent="-342900">
+              <a:buFont typeface="+mj-lt"/>
+              <a:buAutoNum type="arabicPeriod"/>
+            </a:pPr>
+            <a:r>
+              <a:rPr lang="nb-NO" sz="1200" dirty="0"/>
+              <a:t>Controller kaller metoden «action»</a:t>
+            </a:r>
+          </a:p>
+          <a:p>
+            <a:pPr marL="800100" lvl="1" indent="-342900">
+              <a:buFont typeface="+mj-lt"/>
+              <a:buAutoNum type="arabicPeriod"/>
+            </a:pPr>
+            <a:r>
+              <a:rPr lang="nb-NO" sz="1200" dirty="0"/>
+              <a:t>Public </a:t>
+            </a:r>
+            <a:r>
+              <a:rPr lang="nb-NO" sz="1200" dirty="0" err="1"/>
+              <a:t>function</a:t>
+            </a:r>
+            <a:r>
+              <a:rPr lang="nb-NO" sz="1200" dirty="0"/>
+              <a:t> </a:t>
+            </a:r>
+            <a:r>
+              <a:rPr lang="nb-NO" sz="1200" dirty="0" err="1"/>
+              <a:t>index</a:t>
+            </a:r>
+            <a:r>
+              <a:rPr lang="nb-NO" sz="1200" dirty="0"/>
+              <a:t>(…) her er </a:t>
+            </a:r>
+            <a:r>
+              <a:rPr lang="nb-NO" sz="1200" dirty="0" err="1"/>
+              <a:t>index</a:t>
+            </a:r>
+            <a:r>
+              <a:rPr lang="nb-NO" sz="1200" dirty="0"/>
+              <a:t> = action</a:t>
+            </a:r>
+          </a:p>
+          <a:p>
+            <a:pPr marL="342900" indent="-342900">
+              <a:buFont typeface="+mj-lt"/>
+              <a:buAutoNum type="arabicPeriod"/>
+            </a:pPr>
+            <a:r>
+              <a:rPr lang="nb-NO" sz="1200" dirty="0" err="1"/>
+              <a:t>Loader</a:t>
+            </a:r>
+            <a:r>
+              <a:rPr lang="nb-NO" sz="1200" dirty="0"/>
+              <a:t> evt. data MODEL, typisk fra database</a:t>
+            </a:r>
+          </a:p>
+          <a:p>
+            <a:pPr marL="342900" indent="-342900">
+              <a:buFont typeface="+mj-lt"/>
+              <a:buAutoNum type="arabicPeriod"/>
+            </a:pPr>
+            <a:r>
+              <a:rPr lang="nb-NO" sz="1200" dirty="0"/>
+              <a:t>Action Render() tilhørende VIEW, som bruker data MODEL.</a:t>
+            </a:r>
+          </a:p>
+          <a:p>
+            <a:pPr marL="800100" lvl="1" indent="-342900">
+              <a:buFont typeface="+mj-lt"/>
+              <a:buAutoNum type="arabicPeriod"/>
+            </a:pPr>
+            <a:r>
+              <a:rPr lang="nb-NO" sz="1200" dirty="0"/>
+              <a:t>Må hente korrekt VIEW (HTML blandet med MODEL data)</a:t>
+            </a:r>
+          </a:p>
+          <a:p>
+            <a:pPr marL="342900" indent="-342900">
+              <a:buFont typeface="+mj-lt"/>
+              <a:buAutoNum type="arabicPeriod"/>
+            </a:pPr>
+            <a:r>
+              <a:rPr lang="nb-NO" sz="1200" dirty="0"/>
+              <a:t>Send VIEW til RESPONSE komponent</a:t>
+            </a:r>
+          </a:p>
+          <a:p>
+            <a:pPr marL="342900" indent="-342900">
+              <a:buFont typeface="+mj-lt"/>
+              <a:buAutoNum type="arabicPeriod"/>
+            </a:pPr>
+            <a:r>
+              <a:rPr lang="nb-NO" sz="1200" dirty="0" err="1"/>
+              <a:t>Response</a:t>
+            </a:r>
+            <a:r>
+              <a:rPr lang="nb-NO" sz="1200" dirty="0"/>
+              <a:t> sender VIEW til </a:t>
+            </a:r>
+            <a:r>
+              <a:rPr lang="nb-NO" sz="1200" dirty="0" err="1"/>
+              <a:t>browser</a:t>
+            </a:r>
+            <a:endParaRPr lang="nb-NO" sz="1200" dirty="0"/>
+          </a:p>
+        </p:txBody>
+      </p:sp>
+      <p:sp>
+        <p:nvSpPr>
+          <p:cNvPr id="6" name="TekstSylinder 5">
+            <a:extLst>
+              <a:ext uri="{FF2B5EF4-FFF2-40B4-BE49-F238E27FC236}">
+                <a16:creationId xmlns:a16="http://schemas.microsoft.com/office/drawing/2014/main" id="{0B544B95-61F2-422F-B735-B3A33C0C7574}"/>
+              </a:ext>
+            </a:extLst>
+          </p:cNvPr>
+          <p:cNvSpPr txBox="1"/>
+          <p:nvPr/>
+        </p:nvSpPr>
+        <p:spPr>
+          <a:xfrm>
+            <a:off x="7078435" y="596729"/>
+            <a:ext cx="1224643" cy="369332"/>
+          </a:xfrm>
+          <a:prstGeom prst="rect">
+            <a:avLst/>
+          </a:prstGeom>
+          <a:noFill/>
+        </p:spPr>
+        <p:txBody>
+          <a:bodyPr wrap="square" rtlCol="0">
+            <a:spAutoFit/>
+          </a:bodyPr>
+          <a:lstStyle/>
+          <a:p>
+            <a:r>
+              <a:rPr lang="nb-NO" dirty="0" err="1"/>
+              <a:t>index.php</a:t>
+            </a:r>
+            <a:endParaRPr lang="nb-NO" dirty="0"/>
           </a:p>
         </p:txBody>
       </p:sp>
@@ -6136,6 +6950,102 @@
           <a:chExt cx="0" cy="0"/>
         </a:xfrm>
       </p:grpSpPr>
+      <p:sp>
+        <p:nvSpPr>
+          <p:cNvPr id="2" name="TekstSylinder 1">
+            <a:extLst>
+              <a:ext uri="{FF2B5EF4-FFF2-40B4-BE49-F238E27FC236}">
+                <a16:creationId xmlns:a16="http://schemas.microsoft.com/office/drawing/2014/main" id="{DAE4795A-F948-4235-9FE4-2DFC17B7BBE0}"/>
+              </a:ext>
+            </a:extLst>
+          </p:cNvPr>
+          <p:cNvSpPr txBox="1"/>
+          <p:nvPr/>
+        </p:nvSpPr>
+        <p:spPr>
+          <a:xfrm>
+            <a:off x="573579" y="489008"/>
+            <a:ext cx="3034145" cy="584775"/>
+          </a:xfrm>
+          <a:prstGeom prst="rect">
+            <a:avLst/>
+          </a:prstGeom>
+          <a:noFill/>
+        </p:spPr>
+        <p:txBody>
+          <a:bodyPr wrap="square" rtlCol="0">
+            <a:spAutoFit/>
+          </a:bodyPr>
+          <a:lstStyle/>
+          <a:p>
+            <a:r>
+              <a:rPr lang="nb-NO" sz="3200" dirty="0"/>
+              <a:t>MVC </a:t>
+            </a:r>
+            <a:r>
+              <a:rPr lang="nb-NO" sz="3200" dirty="0" err="1"/>
+              <a:t>framework</a:t>
+            </a:r>
+            <a:endParaRPr lang="nb-NO" sz="3200" dirty="0"/>
+          </a:p>
+        </p:txBody>
+      </p:sp>
+      <p:sp>
+        <p:nvSpPr>
+          <p:cNvPr id="3" name="TekstSylinder 2">
+            <a:extLst>
+              <a:ext uri="{FF2B5EF4-FFF2-40B4-BE49-F238E27FC236}">
+                <a16:creationId xmlns:a16="http://schemas.microsoft.com/office/drawing/2014/main" id="{EF714A65-63BD-4001-8D8A-28890FB2E7BB}"/>
+              </a:ext>
+            </a:extLst>
+          </p:cNvPr>
+          <p:cNvSpPr txBox="1"/>
+          <p:nvPr/>
+        </p:nvSpPr>
+        <p:spPr>
+          <a:xfrm>
+            <a:off x="918556" y="1410784"/>
+            <a:ext cx="6400725" cy="923330"/>
+          </a:xfrm>
+          <a:prstGeom prst="rect">
+            <a:avLst/>
+          </a:prstGeom>
+          <a:noFill/>
+        </p:spPr>
+        <p:txBody>
+          <a:bodyPr wrap="square" rtlCol="0">
+            <a:spAutoFit/>
+          </a:bodyPr>
+          <a:lstStyle/>
+          <a:p>
+            <a:pPr marL="285750" indent="-285750">
+              <a:buFont typeface="Arial" panose="020B0604020202020204" pitchFamily="34" charset="0"/>
+              <a:buChar char="•"/>
+            </a:pPr>
+            <a:r>
+              <a:rPr lang="nb-NO" dirty="0"/>
+              <a:t>Tenk på meg som en kunde</a:t>
+            </a:r>
+          </a:p>
+          <a:p>
+            <a:pPr marL="285750" indent="-285750">
+              <a:buFont typeface="Arial" panose="020B0604020202020204" pitchFamily="34" charset="0"/>
+              <a:buChar char="•"/>
+            </a:pPr>
+            <a:endParaRPr lang="nb-NO" dirty="0"/>
+          </a:p>
+          <a:p>
+            <a:pPr marL="285750" indent="-285750">
+              <a:buFont typeface="Arial" panose="020B0604020202020204" pitchFamily="34" charset="0"/>
+              <a:buChar char="•"/>
+            </a:pPr>
+            <a:r>
+              <a:rPr lang="nb-NO" dirty="0"/>
+              <a:t>Produktet dere skal lage: et MVC rammeverk</a:t>
+            </a:r>
+          </a:p>
+        </p:txBody>
+      </p:sp>
     </p:spTree>
     <p:extLst>
       <p:ext uri="{BB962C8B-B14F-4D97-AF65-F5344CB8AC3E}">

--- a/docs/concepts.pptx
+++ b/docs/concepts.pptx
@@ -10,14 +10,15 @@
     <p:sldId id="267" r:id="rId4"/>
     <p:sldId id="266" r:id="rId5"/>
     <p:sldId id="268" r:id="rId6"/>
-    <p:sldId id="257" r:id="rId7"/>
-    <p:sldId id="258" r:id="rId8"/>
+    <p:sldId id="258" r:id="rId7"/>
+    <p:sldId id="257" r:id="rId8"/>
     <p:sldId id="259" r:id="rId9"/>
     <p:sldId id="260" r:id="rId10"/>
-    <p:sldId id="261" r:id="rId11"/>
-    <p:sldId id="262" r:id="rId12"/>
-    <p:sldId id="263" r:id="rId13"/>
-    <p:sldId id="264" r:id="rId14"/>
+    <p:sldId id="269" r:id="rId11"/>
+    <p:sldId id="261" r:id="rId12"/>
+    <p:sldId id="262" r:id="rId13"/>
+    <p:sldId id="263" r:id="rId14"/>
+    <p:sldId id="264" r:id="rId15"/>
   </p:sldIdLst>
   <p:sldSz cx="12192000" cy="6858000"/>
   <p:notesSz cx="6858000" cy="9144000"/>
@@ -271,7 +272,7 @@
           <a:p>
             <a:fld id="{4FCAE795-C102-421B-9570-402CB385BC70}" type="datetimeFigureOut">
               <a:rPr lang="nb-NO" smtClean="0"/>
-              <a:t>25.10.2021</a:t>
+              <a:t>28.10.2021</a:t>
             </a:fld>
             <a:endParaRPr lang="nb-NO"/>
           </a:p>
@@ -469,7 +470,7 @@
           <a:p>
             <a:fld id="{4FCAE795-C102-421B-9570-402CB385BC70}" type="datetimeFigureOut">
               <a:rPr lang="nb-NO" smtClean="0"/>
-              <a:t>25.10.2021</a:t>
+              <a:t>28.10.2021</a:t>
             </a:fld>
             <a:endParaRPr lang="nb-NO"/>
           </a:p>
@@ -677,7 +678,7 @@
           <a:p>
             <a:fld id="{4FCAE795-C102-421B-9570-402CB385BC70}" type="datetimeFigureOut">
               <a:rPr lang="nb-NO" smtClean="0"/>
-              <a:t>25.10.2021</a:t>
+              <a:t>28.10.2021</a:t>
             </a:fld>
             <a:endParaRPr lang="nb-NO"/>
           </a:p>
@@ -875,7 +876,7 @@
           <a:p>
             <a:fld id="{4FCAE795-C102-421B-9570-402CB385BC70}" type="datetimeFigureOut">
               <a:rPr lang="nb-NO" smtClean="0"/>
-              <a:t>25.10.2021</a:t>
+              <a:t>28.10.2021</a:t>
             </a:fld>
             <a:endParaRPr lang="nb-NO"/>
           </a:p>
@@ -1150,7 +1151,7 @@
           <a:p>
             <a:fld id="{4FCAE795-C102-421B-9570-402CB385BC70}" type="datetimeFigureOut">
               <a:rPr lang="nb-NO" smtClean="0"/>
-              <a:t>25.10.2021</a:t>
+              <a:t>28.10.2021</a:t>
             </a:fld>
             <a:endParaRPr lang="nb-NO"/>
           </a:p>
@@ -1415,7 +1416,7 @@
           <a:p>
             <a:fld id="{4FCAE795-C102-421B-9570-402CB385BC70}" type="datetimeFigureOut">
               <a:rPr lang="nb-NO" smtClean="0"/>
-              <a:t>25.10.2021</a:t>
+              <a:t>28.10.2021</a:t>
             </a:fld>
             <a:endParaRPr lang="nb-NO"/>
           </a:p>
@@ -1827,7 +1828,7 @@
           <a:p>
             <a:fld id="{4FCAE795-C102-421B-9570-402CB385BC70}" type="datetimeFigureOut">
               <a:rPr lang="nb-NO" smtClean="0"/>
-              <a:t>25.10.2021</a:t>
+              <a:t>28.10.2021</a:t>
             </a:fld>
             <a:endParaRPr lang="nb-NO"/>
           </a:p>
@@ -1968,7 +1969,7 @@
           <a:p>
             <a:fld id="{4FCAE795-C102-421B-9570-402CB385BC70}" type="datetimeFigureOut">
               <a:rPr lang="nb-NO" smtClean="0"/>
-              <a:t>25.10.2021</a:t>
+              <a:t>28.10.2021</a:t>
             </a:fld>
             <a:endParaRPr lang="nb-NO"/>
           </a:p>
@@ -2081,7 +2082,7 @@
           <a:p>
             <a:fld id="{4FCAE795-C102-421B-9570-402CB385BC70}" type="datetimeFigureOut">
               <a:rPr lang="nb-NO" smtClean="0"/>
-              <a:t>25.10.2021</a:t>
+              <a:t>28.10.2021</a:t>
             </a:fld>
             <a:endParaRPr lang="nb-NO"/>
           </a:p>
@@ -2392,7 +2393,7 @@
           <a:p>
             <a:fld id="{4FCAE795-C102-421B-9570-402CB385BC70}" type="datetimeFigureOut">
               <a:rPr lang="nb-NO" smtClean="0"/>
-              <a:t>25.10.2021</a:t>
+              <a:t>28.10.2021</a:t>
             </a:fld>
             <a:endParaRPr lang="nb-NO"/>
           </a:p>
@@ -2680,7 +2681,7 @@
           <a:p>
             <a:fld id="{4FCAE795-C102-421B-9570-402CB385BC70}" type="datetimeFigureOut">
               <a:rPr lang="nb-NO" smtClean="0"/>
-              <a:t>25.10.2021</a:t>
+              <a:t>28.10.2021</a:t>
             </a:fld>
             <a:endParaRPr lang="nb-NO"/>
           </a:p>
@@ -2921,7 +2922,7 @@
           <a:p>
             <a:fld id="{4FCAE795-C102-421B-9570-402CB385BC70}" type="datetimeFigureOut">
               <a:rPr lang="nb-NO" smtClean="0"/>
-              <a:t>25.10.2021</a:t>
+              <a:t>28.10.2021</a:t>
             </a:fld>
             <a:endParaRPr lang="nb-NO"/>
           </a:p>
@@ -3398,10 +3399,381 @@
           <a:chExt cx="0" cy="0"/>
         </a:xfrm>
       </p:grpSpPr>
+      <p:sp>
+        <p:nvSpPr>
+          <p:cNvPr id="2" name="TekstSylinder 1">
+            <a:extLst>
+              <a:ext uri="{FF2B5EF4-FFF2-40B4-BE49-F238E27FC236}">
+                <a16:creationId xmlns:a16="http://schemas.microsoft.com/office/drawing/2014/main" id="{DAE4795A-F948-4235-9FE4-2DFC17B7BBE0}"/>
+              </a:ext>
+            </a:extLst>
+          </p:cNvPr>
+          <p:cNvSpPr txBox="1"/>
+          <p:nvPr/>
+        </p:nvSpPr>
+        <p:spPr>
+          <a:xfrm>
+            <a:off x="573579" y="489008"/>
+            <a:ext cx="3034145" cy="584775"/>
+          </a:xfrm>
+          <a:prstGeom prst="rect">
+            <a:avLst/>
+          </a:prstGeom>
+          <a:noFill/>
+        </p:spPr>
+        <p:txBody>
+          <a:bodyPr wrap="square" rtlCol="0">
+            <a:spAutoFit/>
+          </a:bodyPr>
+          <a:lstStyle/>
+          <a:p>
+            <a:r>
+              <a:rPr lang="nb-NO" sz="3200" dirty="0"/>
+              <a:t>1. steg</a:t>
+            </a:r>
+          </a:p>
+        </p:txBody>
+      </p:sp>
+      <p:sp>
+        <p:nvSpPr>
+          <p:cNvPr id="3" name="TekstSylinder 2">
+            <a:extLst>
+              <a:ext uri="{FF2B5EF4-FFF2-40B4-BE49-F238E27FC236}">
+                <a16:creationId xmlns:a16="http://schemas.microsoft.com/office/drawing/2014/main" id="{EF714A65-63BD-4001-8D8A-28890FB2E7BB}"/>
+              </a:ext>
+            </a:extLst>
+          </p:cNvPr>
+          <p:cNvSpPr txBox="1"/>
+          <p:nvPr/>
+        </p:nvSpPr>
+        <p:spPr>
+          <a:xfrm>
+            <a:off x="918556" y="1410784"/>
+            <a:ext cx="6400725" cy="4862870"/>
+          </a:xfrm>
+          <a:prstGeom prst="rect">
+            <a:avLst/>
+          </a:prstGeom>
+          <a:noFill/>
+        </p:spPr>
+        <p:txBody>
+          <a:bodyPr wrap="square" rtlCol="0">
+            <a:spAutoFit/>
+          </a:bodyPr>
+          <a:lstStyle/>
+          <a:p>
+            <a:pPr marL="285750" indent="-285750">
+              <a:buFont typeface="Arial" panose="020B0604020202020204" pitchFamily="34" charset="0"/>
+              <a:buChar char="•"/>
+            </a:pPr>
+            <a:r>
+              <a:rPr lang="nb-NO" sz="1600" dirty="0">
+                <a:solidFill>
+                  <a:srgbClr val="FF0000"/>
+                </a:solidFill>
+              </a:rPr>
+              <a:t>Lag Application Class</a:t>
+            </a:r>
+          </a:p>
+          <a:p>
+            <a:pPr marL="742950" lvl="1" indent="-285750">
+              <a:buFont typeface="Arial" panose="020B0604020202020204" pitchFamily="34" charset="0"/>
+              <a:buChar char="•"/>
+            </a:pPr>
+            <a:r>
+              <a:rPr lang="nb-NO" sz="1600" dirty="0">
+                <a:solidFill>
+                  <a:srgbClr val="FF0000"/>
+                </a:solidFill>
+              </a:rPr>
+              <a:t>En metode som heter run() som kalles, som starter prosessen.</a:t>
+            </a:r>
+          </a:p>
+          <a:p>
+            <a:pPr marL="285750" indent="-285750">
+              <a:buFont typeface="Arial" panose="020B0604020202020204" pitchFamily="34" charset="0"/>
+              <a:buChar char="•"/>
+            </a:pPr>
+            <a:r>
+              <a:rPr lang="nb-NO" sz="1600" dirty="0">
+                <a:solidFill>
+                  <a:srgbClr val="FF0000"/>
+                </a:solidFill>
+              </a:rPr>
+              <a:t>Lag en </a:t>
+            </a:r>
+            <a:r>
+              <a:rPr lang="nb-NO" sz="1600" dirty="0" err="1">
+                <a:solidFill>
+                  <a:srgbClr val="FF0000"/>
+                </a:solidFill>
+              </a:rPr>
+              <a:t>Router</a:t>
+            </a:r>
+            <a:r>
+              <a:rPr lang="nb-NO" sz="1600" dirty="0">
+                <a:solidFill>
+                  <a:srgbClr val="FF0000"/>
+                </a:solidFill>
+              </a:rPr>
+              <a:t> Class</a:t>
+            </a:r>
+          </a:p>
+          <a:p>
+            <a:pPr marL="742950" lvl="1" indent="-285750">
+              <a:buFont typeface="Arial" panose="020B0604020202020204" pitchFamily="34" charset="0"/>
+              <a:buChar char="•"/>
+            </a:pPr>
+            <a:endParaRPr lang="nb-NO" sz="1600" dirty="0"/>
+          </a:p>
+          <a:p>
+            <a:pPr marL="742950" lvl="1" indent="-285750">
+              <a:buFont typeface="Arial" panose="020B0604020202020204" pitchFamily="34" charset="0"/>
+              <a:buChar char="•"/>
+            </a:pPr>
+            <a:endParaRPr lang="nb-NO" sz="1600" dirty="0"/>
+          </a:p>
+          <a:p>
+            <a:pPr marL="285750" indent="-285750">
+              <a:buFont typeface="Arial" panose="020B0604020202020204" pitchFamily="34" charset="0"/>
+              <a:buChar char="•"/>
+            </a:pPr>
+            <a:r>
+              <a:rPr lang="nb-NO" sz="1600" dirty="0">
+                <a:solidFill>
+                  <a:srgbClr val="002060"/>
+                </a:solidFill>
+              </a:rPr>
+              <a:t>Lag to ruter:</a:t>
+            </a:r>
+          </a:p>
+          <a:p>
+            <a:pPr marL="742950" lvl="1" indent="-285750">
+              <a:buFont typeface="Arial" panose="020B0604020202020204" pitchFamily="34" charset="0"/>
+              <a:buChar char="•"/>
+            </a:pPr>
+            <a:r>
+              <a:rPr lang="nb-NO" sz="1600" dirty="0">
+                <a:solidFill>
+                  <a:srgbClr val="002060"/>
+                </a:solidFill>
+              </a:rPr>
+              <a:t>/ </a:t>
+            </a:r>
+          </a:p>
+          <a:p>
+            <a:pPr marL="742950" lvl="1" indent="-285750">
+              <a:buFont typeface="Arial" panose="020B0604020202020204" pitchFamily="34" charset="0"/>
+              <a:buChar char="•"/>
+            </a:pPr>
+            <a:r>
+              <a:rPr lang="nb-NO" sz="1600" dirty="0" err="1">
+                <a:solidFill>
+                  <a:srgbClr val="002060"/>
+                </a:solidFill>
+              </a:rPr>
+              <a:t>About</a:t>
+            </a:r>
+            <a:endParaRPr lang="nb-NO" sz="1600" dirty="0">
+              <a:solidFill>
+                <a:srgbClr val="002060"/>
+              </a:solidFill>
+            </a:endParaRPr>
+          </a:p>
+          <a:p>
+            <a:pPr marL="285750" indent="-285750">
+              <a:buFont typeface="Arial" panose="020B0604020202020204" pitchFamily="34" charset="0"/>
+              <a:buChar char="•"/>
+            </a:pPr>
+            <a:r>
+              <a:rPr lang="nb-NO" sz="1600" dirty="0" err="1">
+                <a:solidFill>
+                  <a:srgbClr val="002060"/>
+                </a:solidFill>
+              </a:rPr>
+              <a:t>Echo</a:t>
+            </a:r>
+            <a:r>
+              <a:rPr lang="nb-NO" sz="1600" dirty="0">
+                <a:solidFill>
+                  <a:srgbClr val="002060"/>
+                </a:solidFill>
+              </a:rPr>
+              <a:t> tilbake </a:t>
+            </a:r>
+          </a:p>
+          <a:p>
+            <a:pPr marL="742950" lvl="1" indent="-285750">
+              <a:buFont typeface="Arial" panose="020B0604020202020204" pitchFamily="34" charset="0"/>
+              <a:buChar char="•"/>
+            </a:pPr>
+            <a:r>
+              <a:rPr lang="nb-NO" sz="1600" dirty="0">
+                <a:solidFill>
+                  <a:srgbClr val="002060"/>
+                </a:solidFill>
+              </a:rPr>
+              <a:t>«Hei Hjem»</a:t>
+            </a:r>
+          </a:p>
+          <a:p>
+            <a:pPr marL="742950" lvl="1" indent="-285750">
+              <a:buFont typeface="Arial" panose="020B0604020202020204" pitchFamily="34" charset="0"/>
+              <a:buChar char="•"/>
+            </a:pPr>
+            <a:r>
+              <a:rPr lang="nb-NO" sz="1600" dirty="0">
+                <a:solidFill>
+                  <a:srgbClr val="002060"/>
+                </a:solidFill>
+              </a:rPr>
+              <a:t>«Hei </a:t>
+            </a:r>
+            <a:r>
+              <a:rPr lang="nb-NO" sz="1600" dirty="0" err="1">
+                <a:solidFill>
+                  <a:srgbClr val="002060"/>
+                </a:solidFill>
+              </a:rPr>
+              <a:t>About</a:t>
+            </a:r>
+            <a:r>
+              <a:rPr lang="nb-NO" sz="1600" dirty="0">
+                <a:solidFill>
+                  <a:srgbClr val="002060"/>
+                </a:solidFill>
+              </a:rPr>
+              <a:t>»</a:t>
+            </a:r>
+          </a:p>
+          <a:p>
+            <a:pPr marL="285750" indent="-285750">
+              <a:buFont typeface="Arial" panose="020B0604020202020204" pitchFamily="34" charset="0"/>
+              <a:buChar char="•"/>
+            </a:pPr>
+            <a:r>
+              <a:rPr lang="nb-NO" sz="1600" dirty="0" err="1">
+                <a:solidFill>
+                  <a:srgbClr val="002060"/>
+                </a:solidFill>
+              </a:rPr>
+              <a:t>Echo</a:t>
+            </a:r>
+            <a:r>
+              <a:rPr lang="nb-NO" sz="1600" dirty="0">
+                <a:solidFill>
+                  <a:srgbClr val="002060"/>
+                </a:solidFill>
+              </a:rPr>
+              <a:t> andre ruter </a:t>
+            </a:r>
+          </a:p>
+          <a:p>
+            <a:pPr marL="742950" lvl="1" indent="-285750">
+              <a:buFont typeface="Arial" panose="020B0604020202020204" pitchFamily="34" charset="0"/>
+              <a:buChar char="•"/>
+            </a:pPr>
+            <a:r>
+              <a:rPr lang="nb-NO" sz="1600" dirty="0">
+                <a:solidFill>
+                  <a:srgbClr val="002060"/>
+                </a:solidFill>
+              </a:rPr>
+              <a:t>«Not </a:t>
+            </a:r>
+            <a:r>
+              <a:rPr lang="nb-NO" sz="1600" dirty="0" err="1">
+                <a:solidFill>
+                  <a:srgbClr val="002060"/>
+                </a:solidFill>
+              </a:rPr>
+              <a:t>found</a:t>
+            </a:r>
+            <a:r>
+              <a:rPr lang="nb-NO" sz="1600" dirty="0">
+                <a:solidFill>
+                  <a:srgbClr val="002060"/>
+                </a:solidFill>
+              </a:rPr>
+              <a:t>»</a:t>
+            </a:r>
+          </a:p>
+          <a:p>
+            <a:pPr marL="285750" indent="-285750">
+              <a:buFont typeface="Arial" panose="020B0604020202020204" pitchFamily="34" charset="0"/>
+              <a:buChar char="•"/>
+            </a:pPr>
+            <a:endParaRPr lang="nb-NO" sz="1600" dirty="0"/>
+          </a:p>
+          <a:p>
+            <a:pPr marL="285750" indent="-285750">
+              <a:buFont typeface="Arial" panose="020B0604020202020204" pitchFamily="34" charset="0"/>
+              <a:buChar char="•"/>
+            </a:pPr>
+            <a:r>
+              <a:rPr lang="nb-NO" sz="1600" dirty="0"/>
+              <a:t>HINT: URL : </a:t>
+            </a:r>
+            <a:r>
+              <a:rPr lang="nb-NO" sz="1600" dirty="0" err="1"/>
+              <a:t>php</a:t>
+            </a:r>
+            <a:r>
+              <a:rPr lang="nb-NO" sz="1600" dirty="0"/>
+              <a:t> </a:t>
+            </a:r>
+            <a:r>
+              <a:rPr lang="nb-NO" sz="1600" dirty="0" err="1"/>
+              <a:t>superglobals</a:t>
+            </a:r>
+            <a:endParaRPr lang="nb-NO" sz="1600" dirty="0"/>
+          </a:p>
+          <a:p>
+            <a:pPr marL="742950" lvl="1" indent="-285750">
+              <a:buFont typeface="Arial" panose="020B0604020202020204" pitchFamily="34" charset="0"/>
+              <a:buChar char="•"/>
+            </a:pPr>
+            <a:r>
+              <a:rPr lang="nb-NO" sz="1600" dirty="0"/>
+              <a:t>__SERVER</a:t>
+            </a:r>
+          </a:p>
+          <a:p>
+            <a:pPr marL="742950" lvl="1" indent="-285750">
+              <a:buFont typeface="Arial" panose="020B0604020202020204" pitchFamily="34" charset="0"/>
+              <a:buChar char="•"/>
+            </a:pPr>
+            <a:r>
+              <a:rPr lang="nb-NO" sz="1600" dirty="0"/>
+              <a:t>__GET</a:t>
+            </a:r>
+          </a:p>
+          <a:p>
+            <a:pPr marL="742950" lvl="1" indent="-285750">
+              <a:buFont typeface="Arial" panose="020B0604020202020204" pitchFamily="34" charset="0"/>
+              <a:buChar char="•"/>
+            </a:pPr>
+            <a:r>
+              <a:rPr lang="nb-NO" sz="1600" dirty="0"/>
+              <a:t>__POST</a:t>
+            </a:r>
+          </a:p>
+          <a:p>
+            <a:pPr marL="742950" lvl="1" indent="-285750">
+              <a:buFont typeface="Arial" panose="020B0604020202020204" pitchFamily="34" charset="0"/>
+              <a:buChar char="•"/>
+            </a:pPr>
+            <a:r>
+              <a:rPr lang="nb-NO" sz="1600" dirty="0"/>
+              <a:t>…</a:t>
+            </a:r>
+          </a:p>
+        </p:txBody>
+      </p:sp>
     </p:spTree>
     <p:extLst>
       <p:ext uri="{BB962C8B-B14F-4D97-AF65-F5344CB8AC3E}">
-        <p14:creationId xmlns:p14="http://schemas.microsoft.com/office/powerpoint/2010/main" val="2070493056"/>
+        <p14:creationId xmlns:p14="http://schemas.microsoft.com/office/powerpoint/2010/main" val="3162985257"/>
       </p:ext>
     </p:extLst>
   </p:cSld>
@@ -3431,7 +3803,7 @@
     </p:spTree>
     <p:extLst>
       <p:ext uri="{BB962C8B-B14F-4D97-AF65-F5344CB8AC3E}">
-        <p14:creationId xmlns:p14="http://schemas.microsoft.com/office/powerpoint/2010/main" val="2154207595"/>
+        <p14:creationId xmlns:p14="http://schemas.microsoft.com/office/powerpoint/2010/main" val="2070493056"/>
       </p:ext>
     </p:extLst>
   </p:cSld>
@@ -3461,6 +3833,36 @@
     </p:spTree>
     <p:extLst>
       <p:ext uri="{BB962C8B-B14F-4D97-AF65-F5344CB8AC3E}">
+        <p14:creationId xmlns:p14="http://schemas.microsoft.com/office/powerpoint/2010/main" val="2154207595"/>
+      </p:ext>
+    </p:extLst>
+  </p:cSld>
+  <p:clrMapOvr>
+    <a:masterClrMapping/>
+  </p:clrMapOvr>
+</p:sld>
+</file>
+
+<file path=ppt/slides/slide13.xml><?xml version="1.0" encoding="utf-8"?>
+<p:sld xmlns:a="http://schemas.openxmlformats.org/drawingml/2006/main" xmlns:r="http://schemas.openxmlformats.org/officeDocument/2006/relationships" xmlns:p="http://schemas.openxmlformats.org/presentationml/2006/main">
+  <p:cSld>
+    <p:spTree>
+      <p:nvGrpSpPr>
+        <p:cNvPr id="1" name=""/>
+        <p:cNvGrpSpPr/>
+        <p:nvPr/>
+      </p:nvGrpSpPr>
+      <p:grpSpPr>
+        <a:xfrm>
+          <a:off x="0" y="0"/>
+          <a:ext cx="0" cy="0"/>
+          <a:chOff x="0" y="0"/>
+          <a:chExt cx="0" cy="0"/>
+        </a:xfrm>
+      </p:grpSpPr>
+    </p:spTree>
+    <p:extLst>
+      <p:ext uri="{BB962C8B-B14F-4D97-AF65-F5344CB8AC3E}">
         <p14:creationId xmlns:p14="http://schemas.microsoft.com/office/powerpoint/2010/main" val="2204612507"/>
       </p:ext>
     </p:extLst>
@@ -3471,7 +3873,7 @@
 </p:sld>
 </file>
 
-<file path=ppt/slides/slide13.xml><?xml version="1.0" encoding="utf-8"?>
+<file path=ppt/slides/slide14.xml><?xml version="1.0" encoding="utf-8"?>
 <p:sld xmlns:a="http://schemas.openxmlformats.org/drawingml/2006/main" xmlns:r="http://schemas.openxmlformats.org/officeDocument/2006/relationships" xmlns:p="http://schemas.openxmlformats.org/presentationml/2006/main">
   <p:cSld>
     <p:spTree>
@@ -5707,57 +6109,75 @@
       </p:grpSpPr>
       <p:pic>
         <p:nvPicPr>
-          <p:cNvPr id="2" name="Picture 2" descr="Interaction within MVC pattern The Model component correlates with all... |  Download Scientific Diagram">
-            <a:extLst>
-              <a:ext uri="{FF2B5EF4-FFF2-40B4-BE49-F238E27FC236}">
-                <a16:creationId xmlns:a16="http://schemas.microsoft.com/office/drawing/2014/main" id="{AF6D249E-5483-47D9-BF0B-D293B8E8308E}"/>
+          <p:cNvPr id="3" name="Bilde 2">
+            <a:extLst>
+              <a:ext uri="{FF2B5EF4-FFF2-40B4-BE49-F238E27FC236}">
+                <a16:creationId xmlns:a16="http://schemas.microsoft.com/office/drawing/2014/main" id="{5B43E5F3-0519-4B15-8B29-7D8DF8CCD337}"/>
               </a:ext>
             </a:extLst>
           </p:cNvPr>
           <p:cNvPicPr>
-            <a:picLocks noChangeAspect="1" noChangeArrowheads="1"/>
+            <a:picLocks noChangeAspect="1"/>
           </p:cNvPicPr>
           <p:nvPr/>
         </p:nvPicPr>
         <p:blipFill>
-          <a:blip r:embed="rId2">
-            <a:extLst>
-              <a:ext uri="{28A0092B-C50C-407E-A947-70E740481C1C}">
-                <a14:useLocalDpi xmlns:a14="http://schemas.microsoft.com/office/drawing/2010/main" val="0"/>
-              </a:ext>
-            </a:extLst>
-          </a:blip>
-          <a:srcRect/>
+          <a:blip r:embed="rId2"/>
           <a:stretch>
             <a:fillRect/>
           </a:stretch>
         </p:blipFill>
-        <p:spPr bwMode="auto">
+        <p:spPr>
           <a:xfrm>
-            <a:off x="3257550" y="1700213"/>
-            <a:ext cx="5676900" cy="3457575"/>
+            <a:off x="4785548" y="683491"/>
+            <a:ext cx="6440418" cy="5380181"/>
+          </a:xfrm>
+          <a:prstGeom prst="rect">
+            <a:avLst/>
+          </a:prstGeom>
+        </p:spPr>
+      </p:pic>
+      <p:sp>
+        <p:nvSpPr>
+          <p:cNvPr id="4" name="TekstSylinder 3">
+            <a:extLst>
+              <a:ext uri="{FF2B5EF4-FFF2-40B4-BE49-F238E27FC236}">
+                <a16:creationId xmlns:a16="http://schemas.microsoft.com/office/drawing/2014/main" id="{7199ECBB-725D-45AA-BBD2-97EB1A661939}"/>
+              </a:ext>
+            </a:extLst>
+          </p:cNvPr>
+          <p:cNvSpPr txBox="1"/>
+          <p:nvPr/>
+        </p:nvSpPr>
+        <p:spPr>
+          <a:xfrm>
+            <a:off x="573579" y="489008"/>
+            <a:ext cx="3034145" cy="584775"/>
           </a:xfrm>
           <a:prstGeom prst="rect">
             <a:avLst/>
           </a:prstGeom>
           <a:noFill/>
-          <a:extLst>
-            <a:ext uri="{909E8E84-426E-40DD-AFC4-6F175D3DCCD1}">
-              <a14:hiddenFill xmlns:a14="http://schemas.microsoft.com/office/drawing/2010/main">
-                <a:solidFill>
-                  <a:srgbClr val="FFFFFF"/>
-                </a:solidFill>
-              </a14:hiddenFill>
-            </a:ext>
-          </a:extLst>
-        </p:spPr>
-      </p:pic>
-      <p:sp>
-        <p:nvSpPr>
-          <p:cNvPr id="3" name="TekstSylinder 2">
-            <a:extLst>
-              <a:ext uri="{FF2B5EF4-FFF2-40B4-BE49-F238E27FC236}">
-                <a16:creationId xmlns:a16="http://schemas.microsoft.com/office/drawing/2014/main" id="{2126615A-C373-4CD6-A175-2DF2508FBF1B}"/>
+        </p:spPr>
+        <p:txBody>
+          <a:bodyPr wrap="square" rtlCol="0">
+            <a:spAutoFit/>
+          </a:bodyPr>
+          <a:lstStyle/>
+          <a:p>
+            <a:r>
+              <a:rPr lang="nb-NO" sz="3200" dirty="0"/>
+              <a:t>SOLID</a:t>
+            </a:r>
+          </a:p>
+        </p:txBody>
+      </p:sp>
+      <p:sp>
+        <p:nvSpPr>
+          <p:cNvPr id="5" name="TekstSylinder 4">
+            <a:extLst>
+              <a:ext uri="{FF2B5EF4-FFF2-40B4-BE49-F238E27FC236}">
+                <a16:creationId xmlns:a16="http://schemas.microsoft.com/office/drawing/2014/main" id="{1F33D7D8-2586-419D-BB43-CB55AE0E2D69}"/>
               </a:ext>
             </a:extLst>
           </p:cNvPr>
@@ -5766,8 +6186,8 @@
         </p:nvSpPr>
         <p:spPr>
           <a:xfrm>
-            <a:off x="573579" y="489008"/>
-            <a:ext cx="3034145" cy="584775"/>
+            <a:off x="400125" y="1447523"/>
+            <a:ext cx="3715788" cy="1477328"/>
           </a:xfrm>
           <a:prstGeom prst="rect">
             <a:avLst/>
@@ -5780,22 +6200,38 @@
           </a:bodyPr>
           <a:lstStyle/>
           <a:p>
-            <a:r>
-              <a:rPr lang="nb-NO" sz="3200" dirty="0"/>
-              <a:t>MVC </a:t>
-            </a:r>
-            <a:r>
-              <a:rPr lang="nb-NO" sz="3200" dirty="0" err="1"/>
-              <a:t>framework</a:t>
-            </a:r>
-            <a:endParaRPr lang="nb-NO" sz="3200" dirty="0"/>
+            <a:pPr marL="285750" indent="-285750">
+              <a:buFont typeface="Arial" panose="020B0604020202020204" pitchFamily="34" charset="0"/>
+              <a:buChar char="•"/>
+            </a:pPr>
+            <a:r>
+              <a:rPr lang="nb-NO" dirty="0"/>
+              <a:t>OOP forteller oss HVA vi kan programmere</a:t>
+            </a:r>
+          </a:p>
+          <a:p>
+            <a:pPr marL="285750" indent="-285750">
+              <a:buFont typeface="Arial" panose="020B0604020202020204" pitchFamily="34" charset="0"/>
+              <a:buChar char="•"/>
+            </a:pPr>
+            <a:endParaRPr lang="nb-NO" dirty="0"/>
+          </a:p>
+          <a:p>
+            <a:pPr marL="285750" indent="-285750">
+              <a:buFont typeface="Arial" panose="020B0604020202020204" pitchFamily="34" charset="0"/>
+              <a:buChar char="•"/>
+            </a:pPr>
+            <a:r>
+              <a:rPr lang="nb-NO" dirty="0"/>
+              <a:t>SOLID forteller oss HVORDAN vi skal programmere</a:t>
+            </a:r>
           </a:p>
         </p:txBody>
       </p:sp>
     </p:spTree>
     <p:extLst>
       <p:ext uri="{BB962C8B-B14F-4D97-AF65-F5344CB8AC3E}">
-        <p14:creationId xmlns:p14="http://schemas.microsoft.com/office/powerpoint/2010/main" val="3082518224"/>
+        <p14:creationId xmlns:p14="http://schemas.microsoft.com/office/powerpoint/2010/main" val="2745899966"/>
       </p:ext>
     </p:extLst>
   </p:cSld>
@@ -5822,10 +6258,97 @@
           <a:chExt cx="0" cy="0"/>
         </a:xfrm>
       </p:grpSpPr>
+      <p:pic>
+        <p:nvPicPr>
+          <p:cNvPr id="2" name="Picture 2" descr="Interaction within MVC pattern The Model component correlates with all... |  Download Scientific Diagram">
+            <a:extLst>
+              <a:ext uri="{FF2B5EF4-FFF2-40B4-BE49-F238E27FC236}">
+                <a16:creationId xmlns:a16="http://schemas.microsoft.com/office/drawing/2014/main" id="{AF6D249E-5483-47D9-BF0B-D293B8E8308E}"/>
+              </a:ext>
+            </a:extLst>
+          </p:cNvPr>
+          <p:cNvPicPr>
+            <a:picLocks noChangeAspect="1" noChangeArrowheads="1"/>
+          </p:cNvPicPr>
+          <p:nvPr/>
+        </p:nvPicPr>
+        <p:blipFill>
+          <a:blip r:embed="rId2">
+            <a:extLst>
+              <a:ext uri="{28A0092B-C50C-407E-A947-70E740481C1C}">
+                <a14:useLocalDpi xmlns:a14="http://schemas.microsoft.com/office/drawing/2010/main" val="0"/>
+              </a:ext>
+            </a:extLst>
+          </a:blip>
+          <a:srcRect/>
+          <a:stretch>
+            <a:fillRect/>
+          </a:stretch>
+        </p:blipFill>
+        <p:spPr bwMode="auto">
+          <a:xfrm>
+            <a:off x="3257550" y="1700213"/>
+            <a:ext cx="5676900" cy="3457575"/>
+          </a:xfrm>
+          <a:prstGeom prst="rect">
+            <a:avLst/>
+          </a:prstGeom>
+          <a:noFill/>
+          <a:extLst>
+            <a:ext uri="{909E8E84-426E-40DD-AFC4-6F175D3DCCD1}">
+              <a14:hiddenFill xmlns:a14="http://schemas.microsoft.com/office/drawing/2010/main">
+                <a:solidFill>
+                  <a:srgbClr val="FFFFFF"/>
+                </a:solidFill>
+              </a14:hiddenFill>
+            </a:ext>
+          </a:extLst>
+        </p:spPr>
+      </p:pic>
+      <p:sp>
+        <p:nvSpPr>
+          <p:cNvPr id="3" name="TekstSylinder 2">
+            <a:extLst>
+              <a:ext uri="{FF2B5EF4-FFF2-40B4-BE49-F238E27FC236}">
+                <a16:creationId xmlns:a16="http://schemas.microsoft.com/office/drawing/2014/main" id="{2126615A-C373-4CD6-A175-2DF2508FBF1B}"/>
+              </a:ext>
+            </a:extLst>
+          </p:cNvPr>
+          <p:cNvSpPr txBox="1"/>
+          <p:nvPr/>
+        </p:nvSpPr>
+        <p:spPr>
+          <a:xfrm>
+            <a:off x="573579" y="489008"/>
+            <a:ext cx="3034145" cy="584775"/>
+          </a:xfrm>
+          <a:prstGeom prst="rect">
+            <a:avLst/>
+          </a:prstGeom>
+          <a:noFill/>
+        </p:spPr>
+        <p:txBody>
+          <a:bodyPr wrap="square" rtlCol="0">
+            <a:spAutoFit/>
+          </a:bodyPr>
+          <a:lstStyle/>
+          <a:p>
+            <a:r>
+              <a:rPr lang="nb-NO" sz="3200" dirty="0"/>
+              <a:t>MVC </a:t>
+            </a:r>
+            <a:r>
+              <a:rPr lang="nb-NO" sz="3200" dirty="0" err="1"/>
+              <a:t>framework</a:t>
+            </a:r>
+            <a:endParaRPr lang="nb-NO" sz="3200" dirty="0"/>
+          </a:p>
+        </p:txBody>
+      </p:sp>
     </p:spTree>
     <p:extLst>
       <p:ext uri="{BB962C8B-B14F-4D97-AF65-F5344CB8AC3E}">
-        <p14:creationId xmlns:p14="http://schemas.microsoft.com/office/powerpoint/2010/main" val="2745899966"/>
+        <p14:creationId xmlns:p14="http://schemas.microsoft.com/office/powerpoint/2010/main" val="3082518224"/>
       </p:ext>
     </p:extLst>
   </p:cSld>
@@ -5852,6 +6375,551 @@
           <a:chExt cx="0" cy="0"/>
         </a:xfrm>
       </p:grpSpPr>
+      <p:sp>
+        <p:nvSpPr>
+          <p:cNvPr id="2" name="TekstSylinder 1">
+            <a:extLst>
+              <a:ext uri="{FF2B5EF4-FFF2-40B4-BE49-F238E27FC236}">
+                <a16:creationId xmlns:a16="http://schemas.microsoft.com/office/drawing/2014/main" id="{61C00649-351E-4ACE-9AD2-DFE94FEF6155}"/>
+              </a:ext>
+            </a:extLst>
+          </p:cNvPr>
+          <p:cNvSpPr txBox="1"/>
+          <p:nvPr/>
+        </p:nvSpPr>
+        <p:spPr>
+          <a:xfrm>
+            <a:off x="573579" y="489008"/>
+            <a:ext cx="3034145" cy="584775"/>
+          </a:xfrm>
+          <a:prstGeom prst="rect">
+            <a:avLst/>
+          </a:prstGeom>
+          <a:noFill/>
+        </p:spPr>
+        <p:txBody>
+          <a:bodyPr wrap="square" rtlCol="0">
+            <a:spAutoFit/>
+          </a:bodyPr>
+          <a:lstStyle/>
+          <a:p>
+            <a:r>
+              <a:rPr lang="nb-NO" sz="3200" dirty="0"/>
+              <a:t>MVC </a:t>
+            </a:r>
+            <a:r>
+              <a:rPr lang="nb-NO" sz="3200" dirty="0" err="1"/>
+              <a:t>framework</a:t>
+            </a:r>
+            <a:endParaRPr lang="nb-NO" sz="3200" dirty="0"/>
+          </a:p>
+        </p:txBody>
+      </p:sp>
+      <p:pic>
+        <p:nvPicPr>
+          <p:cNvPr id="4" name="Bilde 3">
+            <a:extLst>
+              <a:ext uri="{FF2B5EF4-FFF2-40B4-BE49-F238E27FC236}">
+                <a16:creationId xmlns:a16="http://schemas.microsoft.com/office/drawing/2014/main" id="{C5AB95F2-E7D0-42F8-ADD1-FB1B21B32571}"/>
+              </a:ext>
+            </a:extLst>
+          </p:cNvPr>
+          <p:cNvPicPr>
+            <a:picLocks noChangeAspect="1"/>
+          </p:cNvPicPr>
+          <p:nvPr/>
+        </p:nvPicPr>
+        <p:blipFill>
+          <a:blip r:embed="rId2"/>
+          <a:stretch>
+            <a:fillRect/>
+          </a:stretch>
+        </p:blipFill>
+        <p:spPr>
+          <a:xfrm>
+            <a:off x="5930517" y="1016000"/>
+            <a:ext cx="6133375" cy="4211781"/>
+          </a:xfrm>
+          <a:prstGeom prst="rect">
+            <a:avLst/>
+          </a:prstGeom>
+        </p:spPr>
+      </p:pic>
+      <p:sp>
+        <p:nvSpPr>
+          <p:cNvPr id="5" name="TekstSylinder 4">
+            <a:extLst>
+              <a:ext uri="{FF2B5EF4-FFF2-40B4-BE49-F238E27FC236}">
+                <a16:creationId xmlns:a16="http://schemas.microsoft.com/office/drawing/2014/main" id="{52620796-F07D-4C0A-87D1-860AF117093C}"/>
+              </a:ext>
+            </a:extLst>
+          </p:cNvPr>
+          <p:cNvSpPr txBox="1"/>
+          <p:nvPr/>
+        </p:nvSpPr>
+        <p:spPr>
+          <a:xfrm>
+            <a:off x="400125" y="1248941"/>
+            <a:ext cx="5261766" cy="4893647"/>
+          </a:xfrm>
+          <a:prstGeom prst="rect">
+            <a:avLst/>
+          </a:prstGeom>
+          <a:noFill/>
+        </p:spPr>
+        <p:txBody>
+          <a:bodyPr wrap="square" rtlCol="0">
+            <a:spAutoFit/>
+          </a:bodyPr>
+          <a:lstStyle/>
+          <a:p>
+            <a:pPr marL="342900" indent="-342900">
+              <a:buFont typeface="+mj-lt"/>
+              <a:buAutoNum type="arabicPeriod"/>
+            </a:pPr>
+            <a:r>
+              <a:rPr lang="nb-NO" sz="1200" dirty="0"/>
+              <a:t>En bruker sender en HTTP-</a:t>
+            </a:r>
+            <a:r>
+              <a:rPr lang="nb-NO" sz="1200" dirty="0" err="1"/>
+              <a:t>request</a:t>
+            </a:r>
+            <a:r>
+              <a:rPr lang="nb-NO" sz="1200" dirty="0"/>
+              <a:t> til web serveren, som ruter </a:t>
+            </a:r>
+            <a:r>
+              <a:rPr lang="nb-NO" sz="1200" dirty="0" err="1"/>
+              <a:t>requesten</a:t>
+            </a:r>
+            <a:r>
+              <a:rPr lang="nb-NO" sz="1200" dirty="0"/>
+              <a:t> til </a:t>
+            </a:r>
+            <a:r>
+              <a:rPr lang="nb-NO" sz="1200" dirty="0" err="1"/>
+              <a:t>index.php</a:t>
+            </a:r>
+            <a:r>
+              <a:rPr lang="nb-NO" sz="1200" dirty="0"/>
+              <a:t>.</a:t>
+            </a:r>
+          </a:p>
+          <a:p>
+            <a:pPr marL="342900" indent="-342900">
+              <a:buFont typeface="+mj-lt"/>
+              <a:buAutoNum type="arabicPeriod"/>
+            </a:pPr>
+            <a:r>
+              <a:rPr lang="nb-NO" sz="1200" dirty="0" err="1"/>
+              <a:t>Load</a:t>
+            </a:r>
+            <a:r>
+              <a:rPr lang="nb-NO" sz="1200" dirty="0"/>
+              <a:t> app </a:t>
+            </a:r>
+            <a:r>
+              <a:rPr lang="nb-NO" sz="1200" dirty="0" err="1"/>
+              <a:t>config</a:t>
+            </a:r>
+            <a:r>
+              <a:rPr lang="nb-NO" sz="1200" dirty="0"/>
+              <a:t> og lag et </a:t>
+            </a:r>
+            <a:r>
+              <a:rPr lang="nb-NO" sz="1200" dirty="0" err="1"/>
+              <a:t>application</a:t>
+            </a:r>
+            <a:r>
+              <a:rPr lang="nb-NO" sz="1200" dirty="0"/>
+              <a:t> </a:t>
+            </a:r>
+            <a:r>
+              <a:rPr lang="nb-NO" sz="1200" dirty="0" err="1"/>
+              <a:t>object</a:t>
+            </a:r>
+            <a:endParaRPr lang="nb-NO" sz="1200" dirty="0"/>
+          </a:p>
+          <a:p>
+            <a:pPr marL="342900" indent="-342900">
+              <a:buFont typeface="+mj-lt"/>
+              <a:buAutoNum type="arabicPeriod"/>
+            </a:pPr>
+            <a:r>
+              <a:rPr lang="nb-NO" sz="1200" dirty="0"/>
+              <a:t>Les URL og </a:t>
+            </a:r>
+            <a:r>
+              <a:rPr lang="nb-NO" sz="1200" dirty="0" err="1"/>
+              <a:t>Resolve</a:t>
+            </a:r>
+            <a:r>
+              <a:rPr lang="nb-NO" sz="1200" dirty="0"/>
+              <a:t> hvilken </a:t>
+            </a:r>
+            <a:r>
+              <a:rPr lang="nb-NO" sz="1200" dirty="0" err="1"/>
+              <a:t>controller</a:t>
+            </a:r>
+            <a:r>
+              <a:rPr lang="nb-NO" sz="1200" dirty="0"/>
+              <a:t> vi skal </a:t>
+            </a:r>
+            <a:r>
+              <a:rPr lang="nb-NO" sz="1200" dirty="0" err="1"/>
+              <a:t>instansiere</a:t>
+            </a:r>
+            <a:r>
+              <a:rPr lang="nb-NO" sz="1200" dirty="0"/>
+              <a:t>, hvis </a:t>
+            </a:r>
+            <a:r>
+              <a:rPr lang="nb-NO" sz="1200" dirty="0" err="1"/>
+              <a:t>Resolve</a:t>
+            </a:r>
+            <a:r>
+              <a:rPr lang="nb-NO" sz="1200" dirty="0"/>
+              <a:t> IKKE gir en registrert </a:t>
+            </a:r>
+            <a:r>
+              <a:rPr lang="nb-NO" sz="1200" dirty="0" err="1"/>
+              <a:t>controller</a:t>
+            </a:r>
+            <a:r>
+              <a:rPr lang="nb-NO" sz="1200" dirty="0"/>
+              <a:t>, send tilbake 404, Not </a:t>
+            </a:r>
+            <a:r>
+              <a:rPr lang="nb-NO" sz="1200" dirty="0" err="1"/>
+              <a:t>Found</a:t>
+            </a:r>
+            <a:r>
+              <a:rPr lang="nb-NO" sz="1200" dirty="0"/>
+              <a:t>.</a:t>
+            </a:r>
+          </a:p>
+          <a:p>
+            <a:pPr marL="800100" lvl="1" indent="-342900">
+              <a:buFont typeface="+mj-lt"/>
+              <a:buAutoNum type="arabicPeriod"/>
+            </a:pPr>
+            <a:r>
+              <a:rPr lang="nb-NO" sz="1200" dirty="0"/>
+              <a:t>Skal kunne registrere så mange URL som du vil</a:t>
+            </a:r>
+          </a:p>
+          <a:p>
+            <a:pPr marL="1257300" lvl="2" indent="-342900">
+              <a:buFont typeface="+mj-lt"/>
+              <a:buAutoNum type="arabicPeriod"/>
+            </a:pPr>
+            <a:r>
+              <a:rPr lang="nb-NO" sz="1200" dirty="0"/>
+              <a:t>Home, Hvilken Controller skal kalles, </a:t>
+            </a:r>
+            <a:r>
+              <a:rPr lang="nb-NO" sz="1200" dirty="0" err="1"/>
+              <a:t>evt.parametere</a:t>
+            </a:r>
+            <a:endParaRPr lang="nb-NO" sz="1200" dirty="0"/>
+          </a:p>
+          <a:p>
+            <a:pPr marL="1257300" lvl="2" indent="-342900">
+              <a:buFont typeface="+mj-lt"/>
+              <a:buAutoNum type="arabicPeriod"/>
+            </a:pPr>
+            <a:r>
+              <a:rPr lang="nb-NO" sz="1200" dirty="0" err="1"/>
+              <a:t>About</a:t>
+            </a:r>
+            <a:endParaRPr lang="nb-NO" sz="1200" dirty="0"/>
+          </a:p>
+          <a:p>
+            <a:pPr marL="1257300" lvl="2" indent="-342900">
+              <a:buFont typeface="+mj-lt"/>
+              <a:buAutoNum type="arabicPeriod"/>
+            </a:pPr>
+            <a:r>
+              <a:rPr lang="nb-NO" sz="1200" dirty="0" err="1"/>
+              <a:t>Etc</a:t>
+            </a:r>
+            <a:endParaRPr lang="nb-NO" sz="1200" dirty="0"/>
+          </a:p>
+          <a:p>
+            <a:pPr marL="342900" indent="-342900">
+              <a:buFont typeface="+mj-lt"/>
+              <a:buAutoNum type="arabicPeriod"/>
+            </a:pPr>
+            <a:r>
+              <a:rPr lang="nb-NO" sz="1200" dirty="0"/>
+              <a:t>Dersom vi har skrevet en registrert rute, lag tilsvarende Controller og tilsvarende metode på </a:t>
+            </a:r>
+            <a:r>
+              <a:rPr lang="nb-NO" sz="1200" dirty="0" err="1"/>
+              <a:t>controlleren</a:t>
+            </a:r>
+            <a:r>
+              <a:rPr lang="nb-NO" sz="1200" dirty="0"/>
+              <a:t>.</a:t>
+            </a:r>
+          </a:p>
+          <a:p>
+            <a:pPr marL="342900" indent="-342900">
+              <a:buFont typeface="+mj-lt"/>
+              <a:buAutoNum type="arabicPeriod"/>
+            </a:pPr>
+            <a:r>
+              <a:rPr lang="nb-NO" sz="1200" dirty="0"/>
+              <a:t>Controller kaller en Action (metode på </a:t>
+            </a:r>
+            <a:r>
+              <a:rPr lang="nb-NO" sz="1200" dirty="0" err="1"/>
+              <a:t>controlleren</a:t>
+            </a:r>
+            <a:r>
+              <a:rPr lang="nb-NO" sz="1200" dirty="0"/>
+              <a:t>), som første kjører et sett med registrerte Filtre (Filters)</a:t>
+            </a:r>
+          </a:p>
+          <a:p>
+            <a:pPr marL="800100" lvl="1" indent="-342900">
+              <a:buFont typeface="+mj-lt"/>
+              <a:buAutoNum type="arabicPeriod"/>
+            </a:pPr>
+            <a:r>
+              <a:rPr lang="nb-NO" sz="1200" dirty="0" err="1"/>
+              <a:t>Cache</a:t>
+            </a:r>
+            <a:endParaRPr lang="nb-NO" sz="1200" dirty="0"/>
+          </a:p>
+          <a:p>
+            <a:pPr marL="800100" lvl="1" indent="-342900">
+              <a:buFont typeface="+mj-lt"/>
+              <a:buAutoNum type="arabicPeriod"/>
+            </a:pPr>
+            <a:r>
+              <a:rPr lang="nb-NO" sz="1200" dirty="0" err="1"/>
+              <a:t>Validation</a:t>
+            </a:r>
+            <a:endParaRPr lang="nb-NO" sz="1200" dirty="0"/>
+          </a:p>
+          <a:p>
+            <a:pPr marL="1257300" lvl="2" indent="-342900">
+              <a:buFont typeface="+mj-lt"/>
+              <a:buAutoNum type="arabicPeriod"/>
+            </a:pPr>
+            <a:r>
+              <a:rPr lang="nb-NO" sz="1200" dirty="0"/>
+              <a:t>Regler (email, passord </a:t>
+            </a:r>
+            <a:r>
+              <a:rPr lang="nb-NO" sz="1200" dirty="0" err="1"/>
+              <a:t>etc</a:t>
+            </a:r>
+            <a:r>
+              <a:rPr lang="nb-NO" sz="1200" dirty="0"/>
+              <a:t> komplekse)</a:t>
+            </a:r>
+          </a:p>
+          <a:p>
+            <a:pPr marL="800100" lvl="1" indent="-342900">
+              <a:buFont typeface="+mj-lt"/>
+              <a:buAutoNum type="arabicPeriod"/>
+            </a:pPr>
+            <a:r>
+              <a:rPr lang="nb-NO" sz="1200" dirty="0" err="1"/>
+              <a:t>Authentication</a:t>
+            </a:r>
+            <a:r>
+              <a:rPr lang="nb-NO" sz="1200" dirty="0"/>
+              <a:t>/</a:t>
+            </a:r>
+            <a:r>
+              <a:rPr lang="nb-NO" sz="1200" dirty="0" err="1"/>
+              <a:t>Authorization</a:t>
+            </a:r>
+            <a:endParaRPr lang="nb-NO" sz="1200" dirty="0"/>
+          </a:p>
+          <a:p>
+            <a:pPr marL="342900" indent="-342900">
+              <a:buFont typeface="+mj-lt"/>
+              <a:buAutoNum type="arabicPeriod"/>
+            </a:pPr>
+            <a:r>
+              <a:rPr lang="nb-NO" sz="1200" dirty="0"/>
+              <a:t>Hvis filter feiler, send </a:t>
+            </a:r>
+            <a:r>
+              <a:rPr lang="nb-NO" sz="1200" dirty="0" err="1"/>
+              <a:t>response</a:t>
+            </a:r>
+            <a:r>
+              <a:rPr lang="nb-NO" sz="1200" dirty="0"/>
+              <a:t> til bake med feilmelding (kan også være </a:t>
+            </a:r>
+            <a:r>
+              <a:rPr lang="nb-NO" sz="1200" dirty="0" err="1"/>
+              <a:t>cache</a:t>
+            </a:r>
+            <a:r>
+              <a:rPr lang="nb-NO" sz="1200" dirty="0"/>
+              <a:t> ved </a:t>
+            </a:r>
+            <a:r>
+              <a:rPr lang="nb-NO" sz="1200" dirty="0" err="1"/>
+              <a:t>webapier</a:t>
+            </a:r>
+            <a:r>
+              <a:rPr lang="nb-NO" sz="1200" dirty="0"/>
+              <a:t>, REDIS)</a:t>
+            </a:r>
+          </a:p>
+          <a:p>
+            <a:pPr marL="342900" indent="-342900">
+              <a:buFont typeface="+mj-lt"/>
+              <a:buAutoNum type="arabicPeriod"/>
+            </a:pPr>
+            <a:r>
+              <a:rPr lang="nb-NO" sz="1200" dirty="0"/>
+              <a:t>Controller kaller metoden «action»</a:t>
+            </a:r>
+          </a:p>
+          <a:p>
+            <a:pPr marL="800100" lvl="1" indent="-342900">
+              <a:buFont typeface="+mj-lt"/>
+              <a:buAutoNum type="arabicPeriod"/>
+            </a:pPr>
+            <a:r>
+              <a:rPr lang="nb-NO" sz="1200" dirty="0"/>
+              <a:t>Public </a:t>
+            </a:r>
+            <a:r>
+              <a:rPr lang="nb-NO" sz="1200" dirty="0" err="1"/>
+              <a:t>function</a:t>
+            </a:r>
+            <a:r>
+              <a:rPr lang="nb-NO" sz="1200" dirty="0"/>
+              <a:t> </a:t>
+            </a:r>
+            <a:r>
+              <a:rPr lang="nb-NO" sz="1200" dirty="0" err="1"/>
+              <a:t>index</a:t>
+            </a:r>
+            <a:r>
+              <a:rPr lang="nb-NO" sz="1200" dirty="0"/>
+              <a:t>(…) her er </a:t>
+            </a:r>
+            <a:r>
+              <a:rPr lang="nb-NO" sz="1200" dirty="0" err="1"/>
+              <a:t>index</a:t>
+            </a:r>
+            <a:r>
+              <a:rPr lang="nb-NO" sz="1200" dirty="0"/>
+              <a:t> = action</a:t>
+            </a:r>
+          </a:p>
+          <a:p>
+            <a:pPr marL="342900" indent="-342900">
+              <a:buFont typeface="+mj-lt"/>
+              <a:buAutoNum type="arabicPeriod"/>
+            </a:pPr>
+            <a:r>
+              <a:rPr lang="nb-NO" sz="1200" dirty="0" err="1"/>
+              <a:t>Loader</a:t>
+            </a:r>
+            <a:r>
+              <a:rPr lang="nb-NO" sz="1200" dirty="0"/>
+              <a:t> evt. data MODEL, typisk fra database</a:t>
+            </a:r>
+          </a:p>
+          <a:p>
+            <a:pPr marL="342900" indent="-342900">
+              <a:buFont typeface="+mj-lt"/>
+              <a:buAutoNum type="arabicPeriod"/>
+            </a:pPr>
+            <a:r>
+              <a:rPr lang="nb-NO" sz="1200" dirty="0"/>
+              <a:t>Action Render() tilhørende VIEW, som bruker data MODEL.</a:t>
+            </a:r>
+          </a:p>
+          <a:p>
+            <a:pPr marL="800100" lvl="1" indent="-342900">
+              <a:buFont typeface="+mj-lt"/>
+              <a:buAutoNum type="arabicPeriod"/>
+            </a:pPr>
+            <a:r>
+              <a:rPr lang="nb-NO" sz="1200" dirty="0"/>
+              <a:t>Må hente korrekt VIEW (HTML blandet med MODEL data)</a:t>
+            </a:r>
+          </a:p>
+          <a:p>
+            <a:pPr marL="342900" indent="-342900">
+              <a:buFont typeface="+mj-lt"/>
+              <a:buAutoNum type="arabicPeriod"/>
+            </a:pPr>
+            <a:r>
+              <a:rPr lang="nb-NO" sz="1200" dirty="0"/>
+              <a:t>Send VIEW til RESPONSE komponent</a:t>
+            </a:r>
+          </a:p>
+          <a:p>
+            <a:pPr marL="342900" indent="-342900">
+              <a:buFont typeface="+mj-lt"/>
+              <a:buAutoNum type="arabicPeriod"/>
+            </a:pPr>
+            <a:r>
+              <a:rPr lang="nb-NO" sz="1200" dirty="0" err="1"/>
+              <a:t>Response</a:t>
+            </a:r>
+            <a:r>
+              <a:rPr lang="nb-NO" sz="1200" dirty="0"/>
+              <a:t> sender VIEW til </a:t>
+            </a:r>
+            <a:r>
+              <a:rPr lang="nb-NO" sz="1200" dirty="0" err="1"/>
+              <a:t>browser</a:t>
+            </a:r>
+            <a:endParaRPr lang="nb-NO" sz="1200" dirty="0"/>
+          </a:p>
+        </p:txBody>
+      </p:sp>
+      <p:sp>
+        <p:nvSpPr>
+          <p:cNvPr id="6" name="TekstSylinder 5">
+            <a:extLst>
+              <a:ext uri="{FF2B5EF4-FFF2-40B4-BE49-F238E27FC236}">
+                <a16:creationId xmlns:a16="http://schemas.microsoft.com/office/drawing/2014/main" id="{0B544B95-61F2-422F-B735-B3A33C0C7574}"/>
+              </a:ext>
+            </a:extLst>
+          </p:cNvPr>
+          <p:cNvSpPr txBox="1"/>
+          <p:nvPr/>
+        </p:nvSpPr>
+        <p:spPr>
+          <a:xfrm>
+            <a:off x="7078435" y="596729"/>
+            <a:ext cx="1224643" cy="369332"/>
+          </a:xfrm>
+          <a:prstGeom prst="rect">
+            <a:avLst/>
+          </a:prstGeom>
+          <a:noFill/>
+        </p:spPr>
+        <p:txBody>
+          <a:bodyPr wrap="square" rtlCol="0">
+            <a:spAutoFit/>
+          </a:bodyPr>
+          <a:lstStyle/>
+          <a:p>
+            <a:r>
+              <a:rPr lang="nb-NO" dirty="0" err="1"/>
+              <a:t>index.php</a:t>
+            </a:r>
+            <a:endParaRPr lang="nb-NO" dirty="0"/>
+          </a:p>
+        </p:txBody>
+      </p:sp>
     </p:spTree>
     <p:extLst>
       <p:ext uri="{BB962C8B-B14F-4D97-AF65-F5344CB8AC3E}">
@@ -5882,6 +6950,102 @@
           <a:chExt cx="0" cy="0"/>
         </a:xfrm>
       </p:grpSpPr>
+      <p:sp>
+        <p:nvSpPr>
+          <p:cNvPr id="2" name="TekstSylinder 1">
+            <a:extLst>
+              <a:ext uri="{FF2B5EF4-FFF2-40B4-BE49-F238E27FC236}">
+                <a16:creationId xmlns:a16="http://schemas.microsoft.com/office/drawing/2014/main" id="{DAE4795A-F948-4235-9FE4-2DFC17B7BBE0}"/>
+              </a:ext>
+            </a:extLst>
+          </p:cNvPr>
+          <p:cNvSpPr txBox="1"/>
+          <p:nvPr/>
+        </p:nvSpPr>
+        <p:spPr>
+          <a:xfrm>
+            <a:off x="573579" y="489008"/>
+            <a:ext cx="3034145" cy="584775"/>
+          </a:xfrm>
+          <a:prstGeom prst="rect">
+            <a:avLst/>
+          </a:prstGeom>
+          <a:noFill/>
+        </p:spPr>
+        <p:txBody>
+          <a:bodyPr wrap="square" rtlCol="0">
+            <a:spAutoFit/>
+          </a:bodyPr>
+          <a:lstStyle/>
+          <a:p>
+            <a:r>
+              <a:rPr lang="nb-NO" sz="3200" dirty="0"/>
+              <a:t>MVC </a:t>
+            </a:r>
+            <a:r>
+              <a:rPr lang="nb-NO" sz="3200" dirty="0" err="1"/>
+              <a:t>framework</a:t>
+            </a:r>
+            <a:endParaRPr lang="nb-NO" sz="3200" dirty="0"/>
+          </a:p>
+        </p:txBody>
+      </p:sp>
+      <p:sp>
+        <p:nvSpPr>
+          <p:cNvPr id="3" name="TekstSylinder 2">
+            <a:extLst>
+              <a:ext uri="{FF2B5EF4-FFF2-40B4-BE49-F238E27FC236}">
+                <a16:creationId xmlns:a16="http://schemas.microsoft.com/office/drawing/2014/main" id="{EF714A65-63BD-4001-8D8A-28890FB2E7BB}"/>
+              </a:ext>
+            </a:extLst>
+          </p:cNvPr>
+          <p:cNvSpPr txBox="1"/>
+          <p:nvPr/>
+        </p:nvSpPr>
+        <p:spPr>
+          <a:xfrm>
+            <a:off x="918556" y="1410784"/>
+            <a:ext cx="6400725" cy="923330"/>
+          </a:xfrm>
+          <a:prstGeom prst="rect">
+            <a:avLst/>
+          </a:prstGeom>
+          <a:noFill/>
+        </p:spPr>
+        <p:txBody>
+          <a:bodyPr wrap="square" rtlCol="0">
+            <a:spAutoFit/>
+          </a:bodyPr>
+          <a:lstStyle/>
+          <a:p>
+            <a:pPr marL="285750" indent="-285750">
+              <a:buFont typeface="Arial" panose="020B0604020202020204" pitchFamily="34" charset="0"/>
+              <a:buChar char="•"/>
+            </a:pPr>
+            <a:r>
+              <a:rPr lang="nb-NO" dirty="0"/>
+              <a:t>Tenk på meg som en kunde</a:t>
+            </a:r>
+          </a:p>
+          <a:p>
+            <a:pPr marL="285750" indent="-285750">
+              <a:buFont typeface="Arial" panose="020B0604020202020204" pitchFamily="34" charset="0"/>
+              <a:buChar char="•"/>
+            </a:pPr>
+            <a:endParaRPr lang="nb-NO" dirty="0"/>
+          </a:p>
+          <a:p>
+            <a:pPr marL="285750" indent="-285750">
+              <a:buFont typeface="Arial" panose="020B0604020202020204" pitchFamily="34" charset="0"/>
+              <a:buChar char="•"/>
+            </a:pPr>
+            <a:r>
+              <a:rPr lang="nb-NO" dirty="0"/>
+              <a:t>Produktet dere skal lage: et MVC rammeverk</a:t>
+            </a:r>
+          </a:p>
+        </p:txBody>
+      </p:sp>
     </p:spTree>
     <p:extLst>
       <p:ext uri="{BB962C8B-B14F-4D97-AF65-F5344CB8AC3E}">
